--- a/demo/Reveal.pptx
+++ b/demo/Reveal.pptx
@@ -6,9 +6,9 @@
   </p:sldMasterIdLst>
   <p:sldIdLst>
     <p:sldId id="257" r:id="rId2"/>
-    <p:sldId id="258" r:id="rId3"/>
+    <p:sldId id="261" r:id="rId3"/>
     <p:sldId id="259" r:id="rId4"/>
-    <p:sldId id="260" r:id="rId5"/>
+    <p:sldId id="258" r:id="rId5"/>
   </p:sldIdLst>
   <p:sldSz cx="12192000" cy="6858000"/>
   <p:notesSz cx="6858000" cy="9144000"/>
@@ -107,6 +107,11 @@
       </a:defRPr>
     </a:lvl9pPr>
   </p:defaultTextStyle>
+  <p:extLst>
+    <p:ext uri="{EFAFB233-063F-42B5-8137-9DF3F51BA10A}">
+      <p15:sldGuideLst xmlns:p15="http://schemas.microsoft.com/office/powerpoint/2012/main"/>
+    </p:ext>
+  </p:extLst>
 </p:presentation>
 </file>
 
@@ -3088,40 +3093,350 @@
           <a:chExt cx="0" cy="0"/>
         </a:xfrm>
       </p:grpSpPr>
-      <p:pic>
-        <p:nvPicPr>
-          <p:cNvPr id="5" name="Picture 4"/>
-          <p:cNvPicPr>
-            <a:picLocks noChangeAspect="1"/>
-          </p:cNvPicPr>
+      <p:sp>
+        <p:nvSpPr>
+          <p:cNvPr id="3" name="Rectangle 2"/>
+          <p:cNvSpPr/>
           <p:nvPr/>
-        </p:nvPicPr>
-        <p:blipFill>
-          <a:blip r:embed="rId2">
-            <a:extLst>
-              <a:ext uri="{28A0092B-C50C-407E-A947-70E740481C1C}">
-                <a14:useLocalDpi xmlns:a14="http://schemas.microsoft.com/office/drawing/2010/main" val="0"/>
-              </a:ext>
-            </a:extLst>
-          </a:blip>
-          <a:stretch>
-            <a:fillRect/>
-          </a:stretch>
-        </p:blipFill>
+        </p:nvSpPr>
         <p:spPr>
           <a:xfrm>
-            <a:off x="3271102" y="1307490"/>
-            <a:ext cx="5649796" cy="4243020"/>
+            <a:off x="1145451" y="1150173"/>
+            <a:ext cx="9729216" cy="4185761"/>
           </a:xfrm>
           <a:prstGeom prst="rect">
             <a:avLst/>
           </a:prstGeom>
         </p:spPr>
-      </p:pic>
+        <p:txBody>
+          <a:bodyPr wrap="square">
+            <a:spAutoFit/>
+          </a:bodyPr>
+          <a:lstStyle/>
+          <a:p>
+            <a:r>
+              <a:rPr lang="en-US" sz="2800" b="1" dirty="0" smtClean="0">
+                <a:solidFill>
+                  <a:schemeClr val="tx1">
+                    <a:lumMod val="85000"/>
+                    <a:lumOff val="15000"/>
+                  </a:schemeClr>
+                </a:solidFill>
+                <a:latin typeface="Segoe UI" panose="020B0502040204020203" pitchFamily="34" charset="0"/>
+                <a:cs typeface="Segoe UI" panose="020B0502040204020203" pitchFamily="34" charset="0"/>
+              </a:rPr>
+              <a:t>Your digital AI assistant to plan your trips</a:t>
+            </a:r>
+          </a:p>
+          <a:p>
+            <a:endParaRPr lang="en-US" sz="2800" b="1" dirty="0" smtClean="0">
+              <a:solidFill>
+                <a:schemeClr val="tx1">
+                  <a:lumMod val="85000"/>
+                  <a:lumOff val="15000"/>
+                </a:schemeClr>
+              </a:solidFill>
+              <a:latin typeface="Segoe UI" panose="020B0502040204020203" pitchFamily="34" charset="0"/>
+              <a:cs typeface="Segoe UI" panose="020B0502040204020203" pitchFamily="34" charset="0"/>
+            </a:endParaRPr>
+          </a:p>
+          <a:p>
+            <a:r>
+              <a:rPr lang="en-US" sz="2000" b="1" dirty="0" smtClean="0">
+                <a:solidFill>
+                  <a:schemeClr val="tx1">
+                    <a:lumMod val="85000"/>
+                    <a:lumOff val="15000"/>
+                  </a:schemeClr>
+                </a:solidFill>
+                <a:latin typeface="Segoe UI" panose="020B0502040204020203" pitchFamily="34" charset="0"/>
+                <a:cs typeface="Segoe UI" panose="020B0502040204020203" pitchFamily="34" charset="0"/>
+              </a:rPr>
+              <a:t>What all we offer?</a:t>
+            </a:r>
+          </a:p>
+          <a:p>
+            <a:endParaRPr lang="en-US" sz="2800" dirty="0">
+              <a:solidFill>
+                <a:schemeClr val="tx1">
+                  <a:lumMod val="85000"/>
+                  <a:lumOff val="15000"/>
+                </a:schemeClr>
+              </a:solidFill>
+              <a:latin typeface="Segoe UI" panose="020B0502040204020203" pitchFamily="34" charset="0"/>
+              <a:cs typeface="Segoe UI" panose="020B0502040204020203" pitchFamily="34" charset="0"/>
+            </a:endParaRPr>
+          </a:p>
+          <a:p>
+            <a:pPr marL="285750" indent="-285750">
+              <a:buFont typeface="Arial" panose="020B0604020202020204" pitchFamily="34" charset="0"/>
+              <a:buChar char="•"/>
+            </a:pPr>
+            <a:r>
+              <a:rPr lang="en-US" dirty="0" smtClean="0">
+                <a:solidFill>
+                  <a:schemeClr val="tx1">
+                    <a:lumMod val="85000"/>
+                    <a:lumOff val="15000"/>
+                  </a:schemeClr>
+                </a:solidFill>
+                <a:latin typeface="Segoe UI" panose="020B0502040204020203" pitchFamily="34" charset="0"/>
+                <a:cs typeface="Segoe UI" panose="020B0502040204020203" pitchFamily="34" charset="0"/>
+              </a:rPr>
+              <a:t>Personalized Location Selection</a:t>
+            </a:r>
+            <a:endParaRPr lang="en-US" dirty="0">
+              <a:solidFill>
+                <a:schemeClr val="tx1">
+                  <a:lumMod val="85000"/>
+                  <a:lumOff val="15000"/>
+                </a:schemeClr>
+              </a:solidFill>
+              <a:latin typeface="Segoe UI" panose="020B0502040204020203" pitchFamily="34" charset="0"/>
+              <a:cs typeface="Segoe UI" panose="020B0502040204020203" pitchFamily="34" charset="0"/>
+            </a:endParaRPr>
+          </a:p>
+          <a:p>
+            <a:pPr marL="285750" indent="-285750">
+              <a:buFont typeface="Arial" panose="020B0604020202020204" pitchFamily="34" charset="0"/>
+              <a:buChar char="•"/>
+            </a:pPr>
+            <a:r>
+              <a:rPr lang="en-US" dirty="0" smtClean="0">
+                <a:solidFill>
+                  <a:schemeClr val="tx1">
+                    <a:lumMod val="85000"/>
+                    <a:lumOff val="15000"/>
+                  </a:schemeClr>
+                </a:solidFill>
+                <a:latin typeface="Segoe UI" panose="020B0502040204020203" pitchFamily="34" charset="0"/>
+                <a:cs typeface="Segoe UI" panose="020B0502040204020203" pitchFamily="34" charset="0"/>
+              </a:rPr>
+              <a:t>Custom Package Selection</a:t>
+            </a:r>
+            <a:endParaRPr lang="en-US" dirty="0">
+              <a:solidFill>
+                <a:schemeClr val="tx1">
+                  <a:lumMod val="85000"/>
+                  <a:lumOff val="15000"/>
+                </a:schemeClr>
+              </a:solidFill>
+              <a:latin typeface="Segoe UI" panose="020B0502040204020203" pitchFamily="34" charset="0"/>
+              <a:cs typeface="Segoe UI" panose="020B0502040204020203" pitchFamily="34" charset="0"/>
+            </a:endParaRPr>
+          </a:p>
+          <a:p>
+            <a:pPr marL="285750" indent="-285750">
+              <a:buFont typeface="Arial" panose="020B0604020202020204" pitchFamily="34" charset="0"/>
+              <a:buChar char="•"/>
+            </a:pPr>
+            <a:r>
+              <a:rPr lang="en-US" dirty="0" smtClean="0">
+                <a:solidFill>
+                  <a:schemeClr val="tx1">
+                    <a:lumMod val="85000"/>
+                    <a:lumOff val="15000"/>
+                  </a:schemeClr>
+                </a:solidFill>
+                <a:latin typeface="Segoe UI" panose="020B0502040204020203" pitchFamily="34" charset="0"/>
+                <a:cs typeface="Segoe UI" panose="020B0502040204020203" pitchFamily="34" charset="0"/>
+              </a:rPr>
+              <a:t>Packages personalized for couples and bachelors</a:t>
+            </a:r>
+            <a:endParaRPr lang="en-US" dirty="0">
+              <a:solidFill>
+                <a:schemeClr val="tx1">
+                  <a:lumMod val="85000"/>
+                  <a:lumOff val="15000"/>
+                </a:schemeClr>
+              </a:solidFill>
+              <a:latin typeface="Segoe UI" panose="020B0502040204020203" pitchFamily="34" charset="0"/>
+              <a:cs typeface="Segoe UI" panose="020B0502040204020203" pitchFamily="34" charset="0"/>
+            </a:endParaRPr>
+          </a:p>
+          <a:p>
+            <a:pPr marL="285750" indent="-285750">
+              <a:buFont typeface="Arial" panose="020B0604020202020204" pitchFamily="34" charset="0"/>
+              <a:buChar char="•"/>
+            </a:pPr>
+            <a:r>
+              <a:rPr lang="en-US" dirty="0" smtClean="0">
+                <a:solidFill>
+                  <a:schemeClr val="tx1">
+                    <a:lumMod val="85000"/>
+                    <a:lumOff val="15000"/>
+                  </a:schemeClr>
+                </a:solidFill>
+                <a:latin typeface="Segoe UI" panose="020B0502040204020203" pitchFamily="34" charset="0"/>
+                <a:cs typeface="Segoe UI" panose="020B0502040204020203" pitchFamily="34" charset="0"/>
+              </a:rPr>
+              <a:t>Selection </a:t>
+            </a:r>
+            <a:r>
+              <a:rPr lang="en-US" dirty="0">
+                <a:solidFill>
+                  <a:schemeClr val="tx1">
+                    <a:lumMod val="85000"/>
+                    <a:lumOff val="15000"/>
+                  </a:schemeClr>
+                </a:solidFill>
+                <a:latin typeface="Segoe UI" panose="020B0502040204020203" pitchFamily="34" charset="0"/>
+                <a:cs typeface="Segoe UI" panose="020B0502040204020203" pitchFamily="34" charset="0"/>
+              </a:rPr>
+              <a:t>of rooms based on package preference</a:t>
+            </a:r>
+          </a:p>
+          <a:p>
+            <a:pPr marL="285750" indent="-285750">
+              <a:buFont typeface="Arial" panose="020B0604020202020204" pitchFamily="34" charset="0"/>
+              <a:buChar char="•"/>
+            </a:pPr>
+            <a:r>
+              <a:rPr lang="en-US" dirty="0" smtClean="0">
+                <a:solidFill>
+                  <a:schemeClr val="tx1">
+                    <a:lumMod val="85000"/>
+                    <a:lumOff val="15000"/>
+                  </a:schemeClr>
+                </a:solidFill>
+                <a:latin typeface="Segoe UI" panose="020B0502040204020203" pitchFamily="34" charset="0"/>
+                <a:cs typeface="Segoe UI" panose="020B0502040204020203" pitchFamily="34" charset="0"/>
+              </a:rPr>
+              <a:t>Suggests Restaurants</a:t>
+            </a:r>
+            <a:endParaRPr lang="en-US" dirty="0">
+              <a:solidFill>
+                <a:schemeClr val="tx1">
+                  <a:lumMod val="85000"/>
+                  <a:lumOff val="15000"/>
+                </a:schemeClr>
+              </a:solidFill>
+              <a:latin typeface="Segoe UI" panose="020B0502040204020203" pitchFamily="34" charset="0"/>
+              <a:cs typeface="Segoe UI" panose="020B0502040204020203" pitchFamily="34" charset="0"/>
+            </a:endParaRPr>
+          </a:p>
+          <a:p>
+            <a:pPr marL="285750" indent="-285750">
+              <a:buFont typeface="Arial" panose="020B0604020202020204" pitchFamily="34" charset="0"/>
+              <a:buChar char="•"/>
+            </a:pPr>
+            <a:r>
+              <a:rPr lang="en-US" dirty="0" smtClean="0">
+                <a:solidFill>
+                  <a:schemeClr val="tx1">
+                    <a:lumMod val="85000"/>
+                    <a:lumOff val="15000"/>
+                  </a:schemeClr>
+                </a:solidFill>
+                <a:latin typeface="Segoe UI" panose="020B0502040204020203" pitchFamily="34" charset="0"/>
+                <a:cs typeface="Segoe UI" panose="020B0502040204020203" pitchFamily="34" charset="0"/>
+              </a:rPr>
+              <a:t>Suggests tourists spots to visit</a:t>
+            </a:r>
+            <a:endParaRPr lang="en-US" dirty="0">
+              <a:solidFill>
+                <a:schemeClr val="tx1">
+                  <a:lumMod val="85000"/>
+                  <a:lumOff val="15000"/>
+                </a:schemeClr>
+              </a:solidFill>
+              <a:latin typeface="Segoe UI" panose="020B0502040204020203" pitchFamily="34" charset="0"/>
+              <a:cs typeface="Segoe UI" panose="020B0502040204020203" pitchFamily="34" charset="0"/>
+            </a:endParaRPr>
+          </a:p>
+          <a:p>
+            <a:pPr marL="285750" indent="-285750">
+              <a:buFont typeface="Arial" panose="020B0604020202020204" pitchFamily="34" charset="0"/>
+              <a:buChar char="•"/>
+            </a:pPr>
+            <a:r>
+              <a:rPr lang="en-US" dirty="0" smtClean="0">
+                <a:solidFill>
+                  <a:schemeClr val="tx1">
+                    <a:lumMod val="85000"/>
+                    <a:lumOff val="15000"/>
+                  </a:schemeClr>
+                </a:solidFill>
+                <a:latin typeface="Segoe UI" panose="020B0502040204020203" pitchFamily="34" charset="0"/>
+                <a:cs typeface="Segoe UI" panose="020B0502040204020203" pitchFamily="34" charset="0"/>
+              </a:rPr>
+              <a:t>Optional guides, with suits you the most</a:t>
+            </a:r>
+            <a:endParaRPr lang="en-US" dirty="0">
+              <a:solidFill>
+                <a:schemeClr val="tx1">
+                  <a:lumMod val="85000"/>
+                  <a:lumOff val="15000"/>
+                </a:schemeClr>
+              </a:solidFill>
+              <a:latin typeface="Segoe UI" panose="020B0502040204020203" pitchFamily="34" charset="0"/>
+              <a:cs typeface="Segoe UI" panose="020B0502040204020203" pitchFamily="34" charset="0"/>
+            </a:endParaRPr>
+          </a:p>
+          <a:p>
+            <a:pPr marL="285750" indent="-285750">
+              <a:buFont typeface="Arial" panose="020B0604020202020204" pitchFamily="34" charset="0"/>
+              <a:buChar char="•"/>
+            </a:pPr>
+            <a:r>
+              <a:rPr lang="en-US" dirty="0" smtClean="0">
+                <a:solidFill>
+                  <a:schemeClr val="tx1">
+                    <a:lumMod val="85000"/>
+                    <a:lumOff val="15000"/>
+                  </a:schemeClr>
+                </a:solidFill>
+                <a:latin typeface="Segoe UI" panose="020B0502040204020203" pitchFamily="34" charset="0"/>
+                <a:cs typeface="Segoe UI" panose="020B0502040204020203" pitchFamily="34" charset="0"/>
+              </a:rPr>
+              <a:t>Book taxi from the app</a:t>
+            </a:r>
+            <a:endParaRPr lang="en-US" dirty="0">
+              <a:solidFill>
+                <a:schemeClr val="tx1">
+                  <a:lumMod val="85000"/>
+                  <a:lumOff val="15000"/>
+                </a:schemeClr>
+              </a:solidFill>
+              <a:latin typeface="Segoe UI" panose="020B0502040204020203" pitchFamily="34" charset="0"/>
+              <a:cs typeface="Segoe UI" panose="020B0502040204020203" pitchFamily="34" charset="0"/>
+            </a:endParaRPr>
+          </a:p>
+          <a:p>
+            <a:pPr marL="285750" indent="-285750">
+              <a:buFont typeface="Arial" panose="020B0604020202020204" pitchFamily="34" charset="0"/>
+              <a:buChar char="•"/>
+            </a:pPr>
+            <a:r>
+              <a:rPr lang="en-US" dirty="0" smtClean="0">
+                <a:solidFill>
+                  <a:schemeClr val="tx1">
+                    <a:lumMod val="85000"/>
+                    <a:lumOff val="15000"/>
+                  </a:schemeClr>
+                </a:solidFill>
+                <a:latin typeface="Segoe UI" panose="020B0502040204020203" pitchFamily="34" charset="0"/>
+                <a:cs typeface="Segoe UI" panose="020B0502040204020203" pitchFamily="34" charset="0"/>
+              </a:rPr>
+              <a:t>All your payments from a single portal</a:t>
+            </a:r>
+            <a:endParaRPr lang="en-US" dirty="0">
+              <a:solidFill>
+                <a:schemeClr val="tx1">
+                  <a:lumMod val="85000"/>
+                  <a:lumOff val="15000"/>
+                </a:schemeClr>
+              </a:solidFill>
+              <a:latin typeface="Segoe UI" panose="020B0502040204020203" pitchFamily="34" charset="0"/>
+              <a:cs typeface="Segoe UI" panose="020B0502040204020203" pitchFamily="34" charset="0"/>
+            </a:endParaRPr>
+          </a:p>
+        </p:txBody>
+      </p:sp>
     </p:spTree>
     <p:extLst>
       <p:ext uri="{BB962C8B-B14F-4D97-AF65-F5344CB8AC3E}">
-        <p14:creationId xmlns:p14="http://schemas.microsoft.com/office/powerpoint/2010/main" val="3948729228"/>
+        <p14:creationId xmlns:p14="http://schemas.microsoft.com/office/powerpoint/2010/main" val="2763323702"/>
       </p:ext>
     </p:extLst>
   </p:cSld>
@@ -3160,7 +3475,853 @@
       </p:grpSpPr>
       <p:pic>
         <p:nvPicPr>
-          <p:cNvPr id="1026" name="Picture 2" descr="https://www.creativeswall.com/wp-content/uploads/2014/07/02-e1406040151817-870x534.jpg"/>
+          <p:cNvPr id="2" name="Picture 2" descr="https://previews.123rf.com/images/mishabokovan/mishabokovan1601/mishabokovan160100150/50143140-abstract-creative-world-map-connection-concept-vector-illustration.jpg"/>
+          <p:cNvPicPr>
+            <a:picLocks noChangeAspect="1" noChangeArrowheads="1"/>
+          </p:cNvPicPr>
+          <p:nvPr/>
+        </p:nvPicPr>
+        <p:blipFill>
+          <a:blip r:embed="rId2">
+            <a:clrChange>
+              <a:clrFrom>
+                <a:srgbClr val="F7F7F7"/>
+              </a:clrFrom>
+              <a:clrTo>
+                <a:srgbClr val="F7F7F7">
+                  <a:alpha val="0"/>
+                </a:srgbClr>
+              </a:clrTo>
+            </a:clrChange>
+            <a:extLst>
+              <a:ext uri="{28A0092B-C50C-407E-A947-70E740481C1C}">
+                <a14:useLocalDpi xmlns:a14="http://schemas.microsoft.com/office/drawing/2010/main" val="0"/>
+              </a:ext>
+            </a:extLst>
+          </a:blip>
+          <a:srcRect/>
+          <a:stretch>
+            <a:fillRect/>
+          </a:stretch>
+        </p:blipFill>
+        <p:spPr bwMode="auto">
+          <a:xfrm>
+            <a:off x="1819656" y="513102"/>
+            <a:ext cx="8362188" cy="5911424"/>
+          </a:xfrm>
+          <a:prstGeom prst="rect">
+            <a:avLst/>
+          </a:prstGeom>
+          <a:noFill/>
+          <a:extLst>
+            <a:ext uri="{909E8E84-426E-40DD-AFC4-6F175D3DCCD1}">
+              <a14:hiddenFill xmlns:a14="http://schemas.microsoft.com/office/drawing/2010/main">
+                <a:solidFill>
+                  <a:srgbClr val="FFFFFF"/>
+                </a:solidFill>
+              </a14:hiddenFill>
+            </a:ext>
+          </a:extLst>
+        </p:spPr>
+      </p:pic>
+      <p:sp>
+        <p:nvSpPr>
+          <p:cNvPr id="3" name="Oval 2"/>
+          <p:cNvSpPr/>
+          <p:nvPr/>
+        </p:nvSpPr>
+        <p:spPr>
+          <a:xfrm>
+            <a:off x="2807208" y="2569464"/>
+            <a:ext cx="64008" cy="64008"/>
+          </a:xfrm>
+          <a:prstGeom prst="ellipse">
+            <a:avLst/>
+          </a:prstGeom>
+          <a:solidFill>
+            <a:srgbClr val="333333"/>
+          </a:solidFill>
+          <a:ln>
+            <a:solidFill>
+              <a:srgbClr val="333333"/>
+            </a:solidFill>
+          </a:ln>
+        </p:spPr>
+        <p:style>
+          <a:lnRef idx="2">
+            <a:schemeClr val="dk1">
+              <a:shade val="50000"/>
+            </a:schemeClr>
+          </a:lnRef>
+          <a:fillRef idx="1">
+            <a:schemeClr val="dk1"/>
+          </a:fillRef>
+          <a:effectRef idx="0">
+            <a:schemeClr val="dk1"/>
+          </a:effectRef>
+          <a:fontRef idx="minor">
+            <a:schemeClr val="lt1"/>
+          </a:fontRef>
+        </p:style>
+        <p:txBody>
+          <a:bodyPr rtlCol="0" anchor="ctr"/>
+          <a:lstStyle/>
+          <a:p>
+            <a:pPr algn="ctr"/>
+            <a:endParaRPr lang="en-US"/>
+          </a:p>
+        </p:txBody>
+      </p:sp>
+      <p:sp>
+        <p:nvSpPr>
+          <p:cNvPr id="5" name="Oval 4"/>
+          <p:cNvSpPr/>
+          <p:nvPr/>
+        </p:nvSpPr>
+        <p:spPr>
+          <a:xfrm>
+            <a:off x="2959608" y="2602992"/>
+            <a:ext cx="64008" cy="64008"/>
+          </a:xfrm>
+          <a:prstGeom prst="ellipse">
+            <a:avLst/>
+          </a:prstGeom>
+          <a:solidFill>
+            <a:srgbClr val="333333"/>
+          </a:solidFill>
+          <a:ln>
+            <a:solidFill>
+              <a:srgbClr val="333333"/>
+            </a:solidFill>
+          </a:ln>
+        </p:spPr>
+        <p:style>
+          <a:lnRef idx="2">
+            <a:schemeClr val="dk1">
+              <a:shade val="50000"/>
+            </a:schemeClr>
+          </a:lnRef>
+          <a:fillRef idx="1">
+            <a:schemeClr val="dk1"/>
+          </a:fillRef>
+          <a:effectRef idx="0">
+            <a:schemeClr val="dk1"/>
+          </a:effectRef>
+          <a:fontRef idx="minor">
+            <a:schemeClr val="lt1"/>
+          </a:fontRef>
+        </p:style>
+        <p:txBody>
+          <a:bodyPr rtlCol="0" anchor="ctr"/>
+          <a:lstStyle/>
+          <a:p>
+            <a:pPr algn="ctr"/>
+            <a:endParaRPr lang="en-US"/>
+          </a:p>
+        </p:txBody>
+      </p:sp>
+      <p:sp>
+        <p:nvSpPr>
+          <p:cNvPr id="6" name="Oval 5"/>
+          <p:cNvSpPr/>
+          <p:nvPr/>
+        </p:nvSpPr>
+        <p:spPr>
+          <a:xfrm>
+            <a:off x="2886456" y="2721864"/>
+            <a:ext cx="64008" cy="64008"/>
+          </a:xfrm>
+          <a:prstGeom prst="ellipse">
+            <a:avLst/>
+          </a:prstGeom>
+          <a:solidFill>
+            <a:srgbClr val="333333"/>
+          </a:solidFill>
+          <a:ln>
+            <a:solidFill>
+              <a:srgbClr val="333333"/>
+            </a:solidFill>
+          </a:ln>
+        </p:spPr>
+        <p:style>
+          <a:lnRef idx="2">
+            <a:schemeClr val="dk1">
+              <a:shade val="50000"/>
+            </a:schemeClr>
+          </a:lnRef>
+          <a:fillRef idx="1">
+            <a:schemeClr val="dk1"/>
+          </a:fillRef>
+          <a:effectRef idx="0">
+            <a:schemeClr val="dk1"/>
+          </a:effectRef>
+          <a:fontRef idx="minor">
+            <a:schemeClr val="lt1"/>
+          </a:fontRef>
+        </p:style>
+        <p:txBody>
+          <a:bodyPr rtlCol="0" anchor="ctr"/>
+          <a:lstStyle/>
+          <a:p>
+            <a:pPr algn="ctr"/>
+            <a:endParaRPr lang="en-US"/>
+          </a:p>
+        </p:txBody>
+      </p:sp>
+      <p:sp>
+        <p:nvSpPr>
+          <p:cNvPr id="7" name="Oval 6"/>
+          <p:cNvSpPr/>
+          <p:nvPr/>
+        </p:nvSpPr>
+        <p:spPr>
+          <a:xfrm>
+            <a:off x="2785872" y="2703576"/>
+            <a:ext cx="64008" cy="64008"/>
+          </a:xfrm>
+          <a:prstGeom prst="ellipse">
+            <a:avLst/>
+          </a:prstGeom>
+          <a:solidFill>
+            <a:srgbClr val="333333"/>
+          </a:solidFill>
+          <a:ln>
+            <a:solidFill>
+              <a:srgbClr val="333333"/>
+            </a:solidFill>
+          </a:ln>
+        </p:spPr>
+        <p:style>
+          <a:lnRef idx="2">
+            <a:schemeClr val="dk1">
+              <a:shade val="50000"/>
+            </a:schemeClr>
+          </a:lnRef>
+          <a:fillRef idx="1">
+            <a:schemeClr val="dk1"/>
+          </a:fillRef>
+          <a:effectRef idx="0">
+            <a:schemeClr val="dk1"/>
+          </a:effectRef>
+          <a:fontRef idx="minor">
+            <a:schemeClr val="lt1"/>
+          </a:fontRef>
+        </p:style>
+        <p:txBody>
+          <a:bodyPr rtlCol="0" anchor="ctr"/>
+          <a:lstStyle/>
+          <a:p>
+            <a:pPr algn="ctr"/>
+            <a:endParaRPr lang="en-US"/>
+          </a:p>
+        </p:txBody>
+      </p:sp>
+      <p:sp>
+        <p:nvSpPr>
+          <p:cNvPr id="8" name="Oval 7"/>
+          <p:cNvSpPr/>
+          <p:nvPr/>
+        </p:nvSpPr>
+        <p:spPr>
+          <a:xfrm>
+            <a:off x="2950464" y="2474976"/>
+            <a:ext cx="64008" cy="64008"/>
+          </a:xfrm>
+          <a:prstGeom prst="ellipse">
+            <a:avLst/>
+          </a:prstGeom>
+          <a:solidFill>
+            <a:srgbClr val="333333"/>
+          </a:solidFill>
+          <a:ln>
+            <a:solidFill>
+              <a:srgbClr val="333333"/>
+            </a:solidFill>
+          </a:ln>
+        </p:spPr>
+        <p:style>
+          <a:lnRef idx="2">
+            <a:schemeClr val="dk1">
+              <a:shade val="50000"/>
+            </a:schemeClr>
+          </a:lnRef>
+          <a:fillRef idx="1">
+            <a:schemeClr val="dk1"/>
+          </a:fillRef>
+          <a:effectRef idx="0">
+            <a:schemeClr val="dk1"/>
+          </a:effectRef>
+          <a:fontRef idx="minor">
+            <a:schemeClr val="lt1"/>
+          </a:fontRef>
+        </p:style>
+        <p:txBody>
+          <a:bodyPr rtlCol="0" anchor="ctr"/>
+          <a:lstStyle/>
+          <a:p>
+            <a:pPr algn="ctr"/>
+            <a:endParaRPr lang="en-US"/>
+          </a:p>
+        </p:txBody>
+      </p:sp>
+      <p:sp>
+        <p:nvSpPr>
+          <p:cNvPr id="9" name="Oval 8"/>
+          <p:cNvSpPr/>
+          <p:nvPr/>
+        </p:nvSpPr>
+        <p:spPr>
+          <a:xfrm>
+            <a:off x="2657856" y="2648712"/>
+            <a:ext cx="64008" cy="64008"/>
+          </a:xfrm>
+          <a:prstGeom prst="ellipse">
+            <a:avLst/>
+          </a:prstGeom>
+          <a:solidFill>
+            <a:srgbClr val="333333"/>
+          </a:solidFill>
+          <a:ln>
+            <a:solidFill>
+              <a:srgbClr val="333333"/>
+            </a:solidFill>
+          </a:ln>
+        </p:spPr>
+        <p:style>
+          <a:lnRef idx="2">
+            <a:schemeClr val="dk1">
+              <a:shade val="50000"/>
+            </a:schemeClr>
+          </a:lnRef>
+          <a:fillRef idx="1">
+            <a:schemeClr val="dk1"/>
+          </a:fillRef>
+          <a:effectRef idx="0">
+            <a:schemeClr val="dk1"/>
+          </a:effectRef>
+          <a:fontRef idx="minor">
+            <a:schemeClr val="lt1"/>
+          </a:fontRef>
+        </p:style>
+        <p:txBody>
+          <a:bodyPr rtlCol="0" anchor="ctr"/>
+          <a:lstStyle/>
+          <a:p>
+            <a:pPr algn="ctr"/>
+            <a:endParaRPr lang="en-US"/>
+          </a:p>
+        </p:txBody>
+      </p:sp>
+      <p:sp>
+        <p:nvSpPr>
+          <p:cNvPr id="10" name="Oval 9"/>
+          <p:cNvSpPr/>
+          <p:nvPr/>
+        </p:nvSpPr>
+        <p:spPr>
+          <a:xfrm>
+            <a:off x="2959608" y="2356104"/>
+            <a:ext cx="64008" cy="64008"/>
+          </a:xfrm>
+          <a:prstGeom prst="ellipse">
+            <a:avLst/>
+          </a:prstGeom>
+          <a:solidFill>
+            <a:srgbClr val="333333"/>
+          </a:solidFill>
+          <a:ln>
+            <a:solidFill>
+              <a:srgbClr val="333333"/>
+            </a:solidFill>
+          </a:ln>
+        </p:spPr>
+        <p:style>
+          <a:lnRef idx="2">
+            <a:schemeClr val="dk1">
+              <a:shade val="50000"/>
+            </a:schemeClr>
+          </a:lnRef>
+          <a:fillRef idx="1">
+            <a:schemeClr val="dk1"/>
+          </a:fillRef>
+          <a:effectRef idx="0">
+            <a:schemeClr val="dk1"/>
+          </a:effectRef>
+          <a:fontRef idx="minor">
+            <a:schemeClr val="lt1"/>
+          </a:fontRef>
+        </p:style>
+        <p:txBody>
+          <a:bodyPr rtlCol="0" anchor="ctr"/>
+          <a:lstStyle/>
+          <a:p>
+            <a:pPr algn="ctr"/>
+            <a:endParaRPr lang="en-US"/>
+          </a:p>
+        </p:txBody>
+      </p:sp>
+      <p:sp>
+        <p:nvSpPr>
+          <p:cNvPr id="11" name="Oval 10"/>
+          <p:cNvSpPr/>
+          <p:nvPr/>
+        </p:nvSpPr>
+        <p:spPr>
+          <a:xfrm>
+            <a:off x="3096768" y="2639568"/>
+            <a:ext cx="64008" cy="64008"/>
+          </a:xfrm>
+          <a:prstGeom prst="ellipse">
+            <a:avLst/>
+          </a:prstGeom>
+          <a:solidFill>
+            <a:srgbClr val="333333"/>
+          </a:solidFill>
+          <a:ln>
+            <a:solidFill>
+              <a:srgbClr val="333333"/>
+            </a:solidFill>
+          </a:ln>
+        </p:spPr>
+        <p:style>
+          <a:lnRef idx="2">
+            <a:schemeClr val="dk1">
+              <a:shade val="50000"/>
+            </a:schemeClr>
+          </a:lnRef>
+          <a:fillRef idx="1">
+            <a:schemeClr val="dk1"/>
+          </a:fillRef>
+          <a:effectRef idx="0">
+            <a:schemeClr val="dk1"/>
+          </a:effectRef>
+          <a:fontRef idx="minor">
+            <a:schemeClr val="lt1"/>
+          </a:fontRef>
+        </p:style>
+        <p:txBody>
+          <a:bodyPr rtlCol="0" anchor="ctr"/>
+          <a:lstStyle/>
+          <a:p>
+            <a:pPr algn="ctr"/>
+            <a:endParaRPr lang="en-US"/>
+          </a:p>
+        </p:txBody>
+      </p:sp>
+      <p:sp>
+        <p:nvSpPr>
+          <p:cNvPr id="12" name="Oval 11"/>
+          <p:cNvSpPr/>
+          <p:nvPr/>
+        </p:nvSpPr>
+        <p:spPr>
+          <a:xfrm>
+            <a:off x="3005328" y="2795016"/>
+            <a:ext cx="64008" cy="64008"/>
+          </a:xfrm>
+          <a:prstGeom prst="ellipse">
+            <a:avLst/>
+          </a:prstGeom>
+          <a:solidFill>
+            <a:srgbClr val="333333"/>
+          </a:solidFill>
+          <a:ln>
+            <a:solidFill>
+              <a:srgbClr val="333333"/>
+            </a:solidFill>
+          </a:ln>
+        </p:spPr>
+        <p:style>
+          <a:lnRef idx="2">
+            <a:schemeClr val="dk1">
+              <a:shade val="50000"/>
+            </a:schemeClr>
+          </a:lnRef>
+          <a:fillRef idx="1">
+            <a:schemeClr val="dk1"/>
+          </a:fillRef>
+          <a:effectRef idx="0">
+            <a:schemeClr val="dk1"/>
+          </a:effectRef>
+          <a:fontRef idx="minor">
+            <a:schemeClr val="lt1"/>
+          </a:fontRef>
+        </p:style>
+        <p:txBody>
+          <a:bodyPr rtlCol="0" anchor="ctr"/>
+          <a:lstStyle/>
+          <a:p>
+            <a:pPr algn="ctr"/>
+            <a:endParaRPr lang="en-US"/>
+          </a:p>
+        </p:txBody>
+      </p:sp>
+      <p:sp>
+        <p:nvSpPr>
+          <p:cNvPr id="13" name="Oval 12"/>
+          <p:cNvSpPr/>
+          <p:nvPr/>
+        </p:nvSpPr>
+        <p:spPr>
+          <a:xfrm>
+            <a:off x="2740152" y="2511552"/>
+            <a:ext cx="64008" cy="64008"/>
+          </a:xfrm>
+          <a:prstGeom prst="ellipse">
+            <a:avLst/>
+          </a:prstGeom>
+          <a:solidFill>
+            <a:srgbClr val="333333"/>
+          </a:solidFill>
+          <a:ln>
+            <a:solidFill>
+              <a:srgbClr val="333333"/>
+            </a:solidFill>
+          </a:ln>
+        </p:spPr>
+        <p:style>
+          <a:lnRef idx="2">
+            <a:schemeClr val="dk1">
+              <a:shade val="50000"/>
+            </a:schemeClr>
+          </a:lnRef>
+          <a:fillRef idx="1">
+            <a:schemeClr val="dk1"/>
+          </a:fillRef>
+          <a:effectRef idx="0">
+            <a:schemeClr val="dk1"/>
+          </a:effectRef>
+          <a:fontRef idx="minor">
+            <a:schemeClr val="lt1"/>
+          </a:fontRef>
+        </p:style>
+        <p:txBody>
+          <a:bodyPr rtlCol="0" anchor="ctr"/>
+          <a:lstStyle/>
+          <a:p>
+            <a:pPr algn="ctr"/>
+            <a:endParaRPr lang="en-US"/>
+          </a:p>
+        </p:txBody>
+      </p:sp>
+      <p:sp>
+        <p:nvSpPr>
+          <p:cNvPr id="14" name="Oval 13"/>
+          <p:cNvSpPr/>
+          <p:nvPr/>
+        </p:nvSpPr>
+        <p:spPr>
+          <a:xfrm>
+            <a:off x="2676144" y="2602992"/>
+            <a:ext cx="64008" cy="64008"/>
+          </a:xfrm>
+          <a:prstGeom prst="ellipse">
+            <a:avLst/>
+          </a:prstGeom>
+          <a:solidFill>
+            <a:srgbClr val="333333"/>
+          </a:solidFill>
+          <a:ln>
+            <a:solidFill>
+              <a:srgbClr val="333333"/>
+            </a:solidFill>
+          </a:ln>
+        </p:spPr>
+        <p:style>
+          <a:lnRef idx="2">
+            <a:schemeClr val="dk1">
+              <a:shade val="50000"/>
+            </a:schemeClr>
+          </a:lnRef>
+          <a:fillRef idx="1">
+            <a:schemeClr val="dk1"/>
+          </a:fillRef>
+          <a:effectRef idx="0">
+            <a:schemeClr val="dk1"/>
+          </a:effectRef>
+          <a:fontRef idx="minor">
+            <a:schemeClr val="lt1"/>
+          </a:fontRef>
+        </p:style>
+        <p:txBody>
+          <a:bodyPr rtlCol="0" anchor="ctr"/>
+          <a:lstStyle/>
+          <a:p>
+            <a:pPr algn="ctr"/>
+            <a:endParaRPr lang="en-US"/>
+          </a:p>
+        </p:txBody>
+      </p:sp>
+      <p:sp>
+        <p:nvSpPr>
+          <p:cNvPr id="4" name="Oval 3"/>
+          <p:cNvSpPr/>
+          <p:nvPr/>
+        </p:nvSpPr>
+        <p:spPr>
+          <a:xfrm>
+            <a:off x="2532888" y="2221992"/>
+            <a:ext cx="804672" cy="804672"/>
+          </a:xfrm>
+          <a:prstGeom prst="ellipse">
+            <a:avLst/>
+          </a:prstGeom>
+          <a:noFill/>
+          <a:ln w="76200">
+            <a:solidFill>
+              <a:srgbClr val="CC5833"/>
+            </a:solidFill>
+          </a:ln>
+        </p:spPr>
+        <p:style>
+          <a:lnRef idx="2">
+            <a:schemeClr val="accent1">
+              <a:shade val="50000"/>
+            </a:schemeClr>
+          </a:lnRef>
+          <a:fillRef idx="1">
+            <a:schemeClr val="accent1"/>
+          </a:fillRef>
+          <a:effectRef idx="0">
+            <a:schemeClr val="accent1"/>
+          </a:effectRef>
+          <a:fontRef idx="minor">
+            <a:schemeClr val="lt1"/>
+          </a:fontRef>
+        </p:style>
+        <p:txBody>
+          <a:bodyPr rtlCol="0" anchor="ctr"/>
+          <a:lstStyle/>
+          <a:p>
+            <a:pPr algn="ctr"/>
+            <a:endParaRPr lang="en-US"/>
+          </a:p>
+        </p:txBody>
+      </p:sp>
+      <p:grpSp>
+        <p:nvGrpSpPr>
+          <p:cNvPr id="17" name="Group 16"/>
+          <p:cNvGrpSpPr/>
+          <p:nvPr/>
+        </p:nvGrpSpPr>
+        <p:grpSpPr>
+          <a:xfrm>
+            <a:off x="2287716" y="1572244"/>
+            <a:ext cx="1404744" cy="570758"/>
+            <a:chOff x="2232852" y="1572244"/>
+            <a:chExt cx="1404744" cy="570758"/>
+          </a:xfrm>
+        </p:grpSpPr>
+        <p:sp>
+          <p:nvSpPr>
+            <p:cNvPr id="15" name="TextBox 14"/>
+            <p:cNvSpPr txBox="1"/>
+            <p:nvPr/>
+          </p:nvSpPr>
+          <p:spPr>
+            <a:xfrm>
+              <a:off x="2232852" y="1572244"/>
+              <a:ext cx="1404744" cy="369332"/>
+            </a:xfrm>
+            <a:prstGeom prst="rect">
+              <a:avLst/>
+            </a:prstGeom>
+            <a:solidFill>
+              <a:srgbClr val="CC5833"/>
+            </a:solidFill>
+            <a:ln>
+              <a:solidFill>
+                <a:srgbClr val="CC5833"/>
+              </a:solidFill>
+            </a:ln>
+          </p:spPr>
+          <p:style>
+            <a:lnRef idx="2">
+              <a:schemeClr val="accent2"/>
+            </a:lnRef>
+            <a:fillRef idx="1">
+              <a:schemeClr val="lt1"/>
+            </a:fillRef>
+            <a:effectRef idx="0">
+              <a:schemeClr val="accent2"/>
+            </a:effectRef>
+            <a:fontRef idx="minor">
+              <a:schemeClr val="dk1"/>
+            </a:fontRef>
+          </p:style>
+          <p:txBody>
+            <a:bodyPr wrap="none" rtlCol="0">
+              <a:spAutoFit/>
+            </a:bodyPr>
+            <a:lstStyle/>
+            <a:p>
+              <a:r>
+                <a:rPr lang="en-US" dirty="0" smtClean="0">
+                  <a:solidFill>
+                    <a:schemeClr val="bg1"/>
+                  </a:solidFill>
+                </a:rPr>
+                <a:t>    trending    </a:t>
+              </a:r>
+              <a:endParaRPr lang="en-US" dirty="0">
+                <a:solidFill>
+                  <a:schemeClr val="bg1"/>
+                </a:solidFill>
+              </a:endParaRPr>
+            </a:p>
+          </p:txBody>
+        </p:sp>
+        <p:sp>
+          <p:nvSpPr>
+            <p:cNvPr id="16" name="Isosceles Triangle 15"/>
+            <p:cNvSpPr/>
+            <p:nvPr/>
+          </p:nvSpPr>
+          <p:spPr>
+            <a:xfrm rot="10800000">
+              <a:off x="2772156" y="1941576"/>
+              <a:ext cx="233172" cy="201426"/>
+            </a:xfrm>
+            <a:prstGeom prst="triangle">
+              <a:avLst/>
+            </a:prstGeom>
+            <a:solidFill>
+              <a:srgbClr val="CC5833"/>
+            </a:solidFill>
+            <a:ln>
+              <a:solidFill>
+                <a:srgbClr val="CC5833"/>
+              </a:solidFill>
+            </a:ln>
+          </p:spPr>
+          <p:style>
+            <a:lnRef idx="2">
+              <a:schemeClr val="accent1">
+                <a:shade val="50000"/>
+              </a:schemeClr>
+            </a:lnRef>
+            <a:fillRef idx="1">
+              <a:schemeClr val="accent1"/>
+            </a:fillRef>
+            <a:effectRef idx="0">
+              <a:schemeClr val="accent1"/>
+            </a:effectRef>
+            <a:fontRef idx="minor">
+              <a:schemeClr val="lt1"/>
+            </a:fontRef>
+          </p:style>
+          <p:txBody>
+            <a:bodyPr rtlCol="0" anchor="ctr"/>
+            <a:lstStyle/>
+            <a:p>
+              <a:pPr algn="ctr"/>
+              <a:endParaRPr lang="en-US"/>
+            </a:p>
+          </p:txBody>
+        </p:sp>
+      </p:grpSp>
+      <p:sp>
+        <p:nvSpPr>
+          <p:cNvPr id="18" name="TextBox 17"/>
+          <p:cNvSpPr txBox="1"/>
+          <p:nvPr/>
+        </p:nvSpPr>
+        <p:spPr>
+          <a:xfrm>
+            <a:off x="6825997" y="741247"/>
+            <a:ext cx="3643883" cy="830997"/>
+          </a:xfrm>
+          <a:prstGeom prst="rect">
+            <a:avLst/>
+          </a:prstGeom>
+          <a:noFill/>
+        </p:spPr>
+        <p:txBody>
+          <a:bodyPr wrap="square" rtlCol="0">
+            <a:spAutoFit/>
+          </a:bodyPr>
+          <a:lstStyle/>
+          <a:p>
+            <a:r>
+              <a:rPr lang="en-US" sz="2400" dirty="0" smtClean="0">
+                <a:solidFill>
+                  <a:srgbClr val="CC5833"/>
+                </a:solidFill>
+              </a:rPr>
+              <a:t>finds </a:t>
+            </a:r>
+            <a:r>
+              <a:rPr lang="en-US" sz="2400" b="1" dirty="0" smtClean="0">
+                <a:solidFill>
+                  <a:srgbClr val="CC5833"/>
+                </a:solidFill>
+              </a:rPr>
+              <a:t>trending location </a:t>
+            </a:r>
+            <a:r>
+              <a:rPr lang="en-US" sz="2400" dirty="0" smtClean="0">
+                <a:solidFill>
+                  <a:srgbClr val="CC5833"/>
+                </a:solidFill>
+              </a:rPr>
+              <a:t>using cluster data analysis</a:t>
+            </a:r>
+            <a:endParaRPr lang="en-US" sz="2400" dirty="0">
+              <a:solidFill>
+                <a:srgbClr val="CC5833"/>
+              </a:solidFill>
+            </a:endParaRPr>
+          </a:p>
+        </p:txBody>
+      </p:sp>
+    </p:spTree>
+    <p:extLst>
+      <p:ext uri="{BB962C8B-B14F-4D97-AF65-F5344CB8AC3E}">
+        <p14:creationId xmlns:p14="http://schemas.microsoft.com/office/powerpoint/2010/main" val="2169105562"/>
+      </p:ext>
+    </p:extLst>
+  </p:cSld>
+  <p:clrMapOvr>
+    <a:masterClrMapping/>
+  </p:clrMapOvr>
+  <p:timing>
+    <p:tnLst>
+      <p:par>
+        <p:cTn id="1" dur="indefinite" restart="never" nodeType="tmRoot"/>
+      </p:par>
+    </p:tnLst>
+  </p:timing>
+</p:sld>
+</file>
+
+<file path=ppt/slides/slide4.xml><?xml version="1.0" encoding="utf-8"?>
+<p:sld xmlns:a="http://schemas.openxmlformats.org/drawingml/2006/main" xmlns:r="http://schemas.openxmlformats.org/officeDocument/2006/relationships" xmlns:p="http://schemas.openxmlformats.org/presentationml/2006/main">
+  <p:cSld>
+    <p:bg>
+      <p:bgPr>
+        <a:solidFill>
+          <a:srgbClr val="E3E1E1"/>
+        </a:solidFill>
+        <a:effectLst/>
+      </p:bgPr>
+    </p:bg>
+    <p:spTree>
+      <p:nvGrpSpPr>
+        <p:cNvPr id="1" name=""/>
+        <p:cNvGrpSpPr/>
+        <p:nvPr/>
+      </p:nvGrpSpPr>
+      <p:grpSpPr>
+        <a:xfrm>
+          <a:off x="0" y="0"/>
+          <a:ext cx="0" cy="0"/>
+          <a:chOff x="0" y="0"/>
+          <a:chExt cx="0" cy="0"/>
+        </a:xfrm>
+      </p:grpSpPr>
+      <p:pic>
+        <p:nvPicPr>
+          <p:cNvPr id="1030" name="Picture 6" descr="Image result for pixel 2 vector"/>
           <p:cNvPicPr>
             <a:picLocks noChangeAspect="1" noChangeArrowheads="1"/>
           </p:cNvPicPr>
@@ -3181,8 +4342,8 @@
         </p:blipFill>
         <p:spPr bwMode="auto">
           <a:xfrm>
-            <a:off x="2059789" y="832701"/>
-            <a:ext cx="8286750" cy="5086350"/>
+            <a:off x="1136649" y="-54094"/>
+            <a:ext cx="9216125" cy="6912094"/>
           </a:xfrm>
           <a:prstGeom prst="rect">
             <a:avLst/>
@@ -3199,46 +4360,84 @@
           </a:extLst>
         </p:spPr>
       </p:pic>
+      <p:pic>
+        <p:nvPicPr>
+          <p:cNvPr id="2" name="Picture 1"/>
+          <p:cNvPicPr>
+            <a:picLocks noChangeAspect="1"/>
+          </p:cNvPicPr>
+          <p:nvPr/>
+        </p:nvPicPr>
+        <p:blipFill rotWithShape="1">
+          <a:blip r:embed="rId3"/>
+          <a:srcRect l="3618" t="8963" r="3989" b="32794"/>
+          <a:stretch/>
+        </p:blipFill>
+        <p:spPr>
+          <a:xfrm>
+            <a:off x="4726672" y="1809750"/>
+            <a:ext cx="2036078" cy="2259806"/>
+          </a:xfrm>
+          <a:prstGeom prst="rect">
+            <a:avLst/>
+          </a:prstGeom>
+        </p:spPr>
+      </p:pic>
+      <p:sp>
+        <p:nvSpPr>
+          <p:cNvPr id="3" name="TextBox 2"/>
+          <p:cNvSpPr txBox="1"/>
+          <p:nvPr/>
+        </p:nvSpPr>
+        <p:spPr>
+          <a:xfrm>
+            <a:off x="565609" y="848413"/>
+            <a:ext cx="3409523" cy="369332"/>
+          </a:xfrm>
+          <a:prstGeom prst="rect">
+            <a:avLst/>
+          </a:prstGeom>
+          <a:noFill/>
+        </p:spPr>
+        <p:txBody>
+          <a:bodyPr wrap="none" rtlCol="0">
+            <a:spAutoFit/>
+          </a:bodyPr>
+          <a:lstStyle/>
+          <a:p>
+            <a:r>
+              <a:rPr lang="en-US" b="1" dirty="0" smtClean="0">
+                <a:solidFill>
+                  <a:srgbClr val="E64A19"/>
+                </a:solidFill>
+              </a:rPr>
+              <a:t>Optimized for Mobiles, PCs, Webs</a:t>
+            </a:r>
+            <a:endParaRPr lang="en-US" b="1" dirty="0">
+              <a:solidFill>
+                <a:srgbClr val="E64A19"/>
+              </a:solidFill>
+            </a:endParaRPr>
+          </a:p>
+        </p:txBody>
+      </p:sp>
     </p:spTree>
     <p:extLst>
       <p:ext uri="{BB962C8B-B14F-4D97-AF65-F5344CB8AC3E}">
-        <p14:creationId xmlns:p14="http://schemas.microsoft.com/office/powerpoint/2010/main" val="2169105562"/>
+        <p14:creationId xmlns:p14="http://schemas.microsoft.com/office/powerpoint/2010/main" val="3948729228"/>
       </p:ext>
     </p:extLst>
   </p:cSld>
   <p:clrMapOvr>
     <a:masterClrMapping/>
   </p:clrMapOvr>
-</p:sld>
-</file>
-
-<file path=ppt/slides/slide4.xml><?xml version="1.0" encoding="utf-8"?>
-<p:sld xmlns:a="http://schemas.openxmlformats.org/drawingml/2006/main" xmlns:r="http://schemas.openxmlformats.org/officeDocument/2006/relationships" xmlns:p="http://schemas.openxmlformats.org/presentationml/2006/main">
-  <p:cSld>
-    <p:spTree>
-      <p:nvGrpSpPr>
-        <p:cNvPr id="1" name=""/>
-        <p:cNvGrpSpPr/>
-        <p:nvPr/>
-      </p:nvGrpSpPr>
-      <p:grpSpPr>
-        <a:xfrm>
-          <a:off x="0" y="0"/>
-          <a:ext cx="0" cy="0"/>
-          <a:chOff x="0" y="0"/>
-          <a:chExt cx="0" cy="0"/>
-        </a:xfrm>
-      </p:grpSpPr>
-    </p:spTree>
-    <p:extLst>
-      <p:ext uri="{BB962C8B-B14F-4D97-AF65-F5344CB8AC3E}">
-        <p14:creationId xmlns:p14="http://schemas.microsoft.com/office/powerpoint/2010/main" val="3273765856"/>
-      </p:ext>
-    </p:extLst>
-  </p:cSld>
-  <p:clrMapOvr>
-    <a:masterClrMapping/>
-  </p:clrMapOvr>
+  <p:timing>
+    <p:tnLst>
+      <p:par>
+        <p:cTn id="1" dur="indefinite" restart="never" nodeType="tmRoot"/>
+      </p:par>
+    </p:tnLst>
+  </p:timing>
 </p:sld>
 </file>
 

--- a/demo/Reveal.pptx
+++ b/demo/Reveal.pptx
@@ -6,9 +6,15 @@
   </p:sldMasterIdLst>
   <p:sldIdLst>
     <p:sldId id="257" r:id="rId2"/>
-    <p:sldId id="261" r:id="rId3"/>
-    <p:sldId id="259" r:id="rId4"/>
-    <p:sldId id="258" r:id="rId5"/>
+    <p:sldId id="265" r:id="rId3"/>
+    <p:sldId id="261" r:id="rId4"/>
+    <p:sldId id="267" r:id="rId5"/>
+    <p:sldId id="259" r:id="rId6"/>
+    <p:sldId id="263" r:id="rId7"/>
+    <p:sldId id="264" r:id="rId8"/>
+    <p:sldId id="262" r:id="rId9"/>
+    <p:sldId id="268" r:id="rId10"/>
+    <p:sldId id="258" r:id="rId11"/>
   </p:sldIdLst>
   <p:sldSz cx="12192000" cy="6858000"/>
   <p:notesSz cx="6858000" cy="9144000"/>
@@ -157,10 +163,9 @@
           </a:lstStyle>
           <a:p>
             <a:r>
-              <a:rPr lang="en-US" smtClean="0"/>
+              <a:rPr lang="en-US"/>
               <a:t>Click to edit Master title style</a:t>
             </a:r>
-            <a:endParaRPr lang="en-US"/>
           </a:p>
         </p:txBody>
       </p:sp>
@@ -222,10 +227,9 @@
           </a:lstStyle>
           <a:p>
             <a:r>
-              <a:rPr lang="en-US" smtClean="0"/>
+              <a:rPr lang="en-US"/>
               <a:t>Click to edit Master subtitle style</a:t>
             </a:r>
-            <a:endParaRPr lang="en-US"/>
           </a:p>
         </p:txBody>
       </p:sp>
@@ -246,7 +250,7 @@
           <a:p>
             <a:fld id="{0F052750-446A-4596-BF81-5C8255A5315A}" type="datetimeFigureOut">
               <a:rPr lang="en-US" smtClean="0"/>
-              <a:t>10/12/2019</a:t>
+              <a:t>10/13/2019</a:t>
             </a:fld>
             <a:endParaRPr lang="en-US"/>
           </a:p>
@@ -340,10 +344,9 @@
           <a:lstStyle/>
           <a:p>
             <a:r>
-              <a:rPr lang="en-US" smtClean="0"/>
+              <a:rPr lang="en-US"/>
               <a:t>Click to edit Master title style</a:t>
             </a:r>
-            <a:endParaRPr lang="en-US"/>
           </a:p>
         </p:txBody>
       </p:sp>
@@ -364,38 +367,37 @@
           <a:p>
             <a:pPr lvl="0"/>
             <a:r>
-              <a:rPr lang="en-US" smtClean="0"/>
+              <a:rPr lang="en-US"/>
               <a:t>Edit Master text styles</a:t>
             </a:r>
           </a:p>
           <a:p>
             <a:pPr lvl="1"/>
             <a:r>
-              <a:rPr lang="en-US" smtClean="0"/>
+              <a:rPr lang="en-US"/>
               <a:t>Second level</a:t>
             </a:r>
           </a:p>
           <a:p>
             <a:pPr lvl="2"/>
             <a:r>
-              <a:rPr lang="en-US" smtClean="0"/>
+              <a:rPr lang="en-US"/>
               <a:t>Third level</a:t>
             </a:r>
           </a:p>
           <a:p>
             <a:pPr lvl="3"/>
             <a:r>
-              <a:rPr lang="en-US" smtClean="0"/>
+              <a:rPr lang="en-US"/>
               <a:t>Fourth level</a:t>
             </a:r>
           </a:p>
           <a:p>
             <a:pPr lvl="4"/>
             <a:r>
-              <a:rPr lang="en-US" smtClean="0"/>
+              <a:rPr lang="en-US"/>
               <a:t>Fifth level</a:t>
             </a:r>
-            <a:endParaRPr lang="en-US"/>
           </a:p>
         </p:txBody>
       </p:sp>
@@ -416,7 +418,7 @@
           <a:p>
             <a:fld id="{0F052750-446A-4596-BF81-5C8255A5315A}" type="datetimeFigureOut">
               <a:rPr lang="en-US" smtClean="0"/>
-              <a:t>10/12/2019</a:t>
+              <a:t>10/13/2019</a:t>
             </a:fld>
             <a:endParaRPr lang="en-US"/>
           </a:p>
@@ -515,10 +517,9 @@
           <a:lstStyle/>
           <a:p>
             <a:r>
-              <a:rPr lang="en-US" smtClean="0"/>
+              <a:rPr lang="en-US"/>
               <a:t>Click to edit Master title style</a:t>
             </a:r>
-            <a:endParaRPr lang="en-US"/>
           </a:p>
         </p:txBody>
       </p:sp>
@@ -544,38 +545,37 @@
           <a:p>
             <a:pPr lvl="0"/>
             <a:r>
-              <a:rPr lang="en-US" smtClean="0"/>
+              <a:rPr lang="en-US"/>
               <a:t>Edit Master text styles</a:t>
             </a:r>
           </a:p>
           <a:p>
             <a:pPr lvl="1"/>
             <a:r>
-              <a:rPr lang="en-US" smtClean="0"/>
+              <a:rPr lang="en-US"/>
               <a:t>Second level</a:t>
             </a:r>
           </a:p>
           <a:p>
             <a:pPr lvl="2"/>
             <a:r>
-              <a:rPr lang="en-US" smtClean="0"/>
+              <a:rPr lang="en-US"/>
               <a:t>Third level</a:t>
             </a:r>
           </a:p>
           <a:p>
             <a:pPr lvl="3"/>
             <a:r>
-              <a:rPr lang="en-US" smtClean="0"/>
+              <a:rPr lang="en-US"/>
               <a:t>Fourth level</a:t>
             </a:r>
           </a:p>
           <a:p>
             <a:pPr lvl="4"/>
             <a:r>
-              <a:rPr lang="en-US" smtClean="0"/>
+              <a:rPr lang="en-US"/>
               <a:t>Fifth level</a:t>
             </a:r>
-            <a:endParaRPr lang="en-US"/>
           </a:p>
         </p:txBody>
       </p:sp>
@@ -596,7 +596,7 @@
           <a:p>
             <a:fld id="{0F052750-446A-4596-BF81-5C8255A5315A}" type="datetimeFigureOut">
               <a:rPr lang="en-US" smtClean="0"/>
-              <a:t>10/12/2019</a:t>
+              <a:t>10/13/2019</a:t>
             </a:fld>
             <a:endParaRPr lang="en-US"/>
           </a:p>
@@ -690,10 +690,9 @@
           <a:lstStyle/>
           <a:p>
             <a:r>
-              <a:rPr lang="en-US" smtClean="0"/>
+              <a:rPr lang="en-US"/>
               <a:t>Click to edit Master title style</a:t>
             </a:r>
-            <a:endParaRPr lang="en-US"/>
           </a:p>
         </p:txBody>
       </p:sp>
@@ -714,38 +713,37 @@
           <a:p>
             <a:pPr lvl="0"/>
             <a:r>
-              <a:rPr lang="en-US" smtClean="0"/>
+              <a:rPr lang="en-US"/>
               <a:t>Edit Master text styles</a:t>
             </a:r>
           </a:p>
           <a:p>
             <a:pPr lvl="1"/>
             <a:r>
-              <a:rPr lang="en-US" smtClean="0"/>
+              <a:rPr lang="en-US"/>
               <a:t>Second level</a:t>
             </a:r>
           </a:p>
           <a:p>
             <a:pPr lvl="2"/>
             <a:r>
-              <a:rPr lang="en-US" smtClean="0"/>
+              <a:rPr lang="en-US"/>
               <a:t>Third level</a:t>
             </a:r>
           </a:p>
           <a:p>
             <a:pPr lvl="3"/>
             <a:r>
-              <a:rPr lang="en-US" smtClean="0"/>
+              <a:rPr lang="en-US"/>
               <a:t>Fourth level</a:t>
             </a:r>
           </a:p>
           <a:p>
             <a:pPr lvl="4"/>
             <a:r>
-              <a:rPr lang="en-US" smtClean="0"/>
+              <a:rPr lang="en-US"/>
               <a:t>Fifth level</a:t>
             </a:r>
-            <a:endParaRPr lang="en-US"/>
           </a:p>
         </p:txBody>
       </p:sp>
@@ -766,7 +764,7 @@
           <a:p>
             <a:fld id="{0F052750-446A-4596-BF81-5C8255A5315A}" type="datetimeFigureOut">
               <a:rPr lang="en-US" smtClean="0"/>
-              <a:t>10/12/2019</a:t>
+              <a:t>10/13/2019</a:t>
             </a:fld>
             <a:endParaRPr lang="en-US"/>
           </a:p>
@@ -869,10 +867,9 @@
           </a:lstStyle>
           <a:p>
             <a:r>
-              <a:rPr lang="en-US" smtClean="0"/>
+              <a:rPr lang="en-US"/>
               <a:t>Click to edit Master title style</a:t>
             </a:r>
-            <a:endParaRPr lang="en-US"/>
           </a:p>
         </p:txBody>
       </p:sp>
@@ -989,7 +986,7 @@
           <a:p>
             <a:pPr lvl="0"/>
             <a:r>
-              <a:rPr lang="en-US" smtClean="0"/>
+              <a:rPr lang="en-US"/>
               <a:t>Edit Master text styles</a:t>
             </a:r>
           </a:p>
@@ -1012,7 +1009,7 @@
           <a:p>
             <a:fld id="{0F052750-446A-4596-BF81-5C8255A5315A}" type="datetimeFigureOut">
               <a:rPr lang="en-US" smtClean="0"/>
-              <a:t>10/12/2019</a:t>
+              <a:t>10/13/2019</a:t>
             </a:fld>
             <a:endParaRPr lang="en-US"/>
           </a:p>
@@ -1106,10 +1103,9 @@
           <a:lstStyle/>
           <a:p>
             <a:r>
-              <a:rPr lang="en-US" smtClean="0"/>
+              <a:rPr lang="en-US"/>
               <a:t>Click to edit Master title style</a:t>
             </a:r>
-            <a:endParaRPr lang="en-US"/>
           </a:p>
         </p:txBody>
       </p:sp>
@@ -1135,38 +1131,37 @@
           <a:p>
             <a:pPr lvl="0"/>
             <a:r>
-              <a:rPr lang="en-US" smtClean="0"/>
+              <a:rPr lang="en-US"/>
               <a:t>Edit Master text styles</a:t>
             </a:r>
           </a:p>
           <a:p>
             <a:pPr lvl="1"/>
             <a:r>
-              <a:rPr lang="en-US" smtClean="0"/>
+              <a:rPr lang="en-US"/>
               <a:t>Second level</a:t>
             </a:r>
           </a:p>
           <a:p>
             <a:pPr lvl="2"/>
             <a:r>
-              <a:rPr lang="en-US" smtClean="0"/>
+              <a:rPr lang="en-US"/>
               <a:t>Third level</a:t>
             </a:r>
           </a:p>
           <a:p>
             <a:pPr lvl="3"/>
             <a:r>
-              <a:rPr lang="en-US" smtClean="0"/>
+              <a:rPr lang="en-US"/>
               <a:t>Fourth level</a:t>
             </a:r>
           </a:p>
           <a:p>
             <a:pPr lvl="4"/>
             <a:r>
-              <a:rPr lang="en-US" smtClean="0"/>
+              <a:rPr lang="en-US"/>
               <a:t>Fifth level</a:t>
             </a:r>
-            <a:endParaRPr lang="en-US"/>
           </a:p>
         </p:txBody>
       </p:sp>
@@ -1192,38 +1187,37 @@
           <a:p>
             <a:pPr lvl="0"/>
             <a:r>
-              <a:rPr lang="en-US" smtClean="0"/>
+              <a:rPr lang="en-US"/>
               <a:t>Edit Master text styles</a:t>
             </a:r>
           </a:p>
           <a:p>
             <a:pPr lvl="1"/>
             <a:r>
-              <a:rPr lang="en-US" smtClean="0"/>
+              <a:rPr lang="en-US"/>
               <a:t>Second level</a:t>
             </a:r>
           </a:p>
           <a:p>
             <a:pPr lvl="2"/>
             <a:r>
-              <a:rPr lang="en-US" smtClean="0"/>
+              <a:rPr lang="en-US"/>
               <a:t>Third level</a:t>
             </a:r>
           </a:p>
           <a:p>
             <a:pPr lvl="3"/>
             <a:r>
-              <a:rPr lang="en-US" smtClean="0"/>
+              <a:rPr lang="en-US"/>
               <a:t>Fourth level</a:t>
             </a:r>
           </a:p>
           <a:p>
             <a:pPr lvl="4"/>
             <a:r>
-              <a:rPr lang="en-US" smtClean="0"/>
+              <a:rPr lang="en-US"/>
               <a:t>Fifth level</a:t>
             </a:r>
-            <a:endParaRPr lang="en-US"/>
           </a:p>
         </p:txBody>
       </p:sp>
@@ -1244,7 +1238,7 @@
           <a:p>
             <a:fld id="{0F052750-446A-4596-BF81-5C8255A5315A}" type="datetimeFigureOut">
               <a:rPr lang="en-US" smtClean="0"/>
-              <a:t>10/12/2019</a:t>
+              <a:t>10/13/2019</a:t>
             </a:fld>
             <a:endParaRPr lang="en-US"/>
           </a:p>
@@ -1343,10 +1337,9 @@
           <a:lstStyle/>
           <a:p>
             <a:r>
-              <a:rPr lang="en-US" smtClean="0"/>
+              <a:rPr lang="en-US"/>
               <a:t>Click to edit Master title style</a:t>
             </a:r>
-            <a:endParaRPr lang="en-US"/>
           </a:p>
         </p:txBody>
       </p:sp>
@@ -1409,7 +1402,7 @@
           <a:p>
             <a:pPr lvl="0"/>
             <a:r>
-              <a:rPr lang="en-US" smtClean="0"/>
+              <a:rPr lang="en-US"/>
               <a:t>Edit Master text styles</a:t>
             </a:r>
           </a:p>
@@ -1437,38 +1430,37 @@
           <a:p>
             <a:pPr lvl="0"/>
             <a:r>
-              <a:rPr lang="en-US" smtClean="0"/>
+              <a:rPr lang="en-US"/>
               <a:t>Edit Master text styles</a:t>
             </a:r>
           </a:p>
           <a:p>
             <a:pPr lvl="1"/>
             <a:r>
-              <a:rPr lang="en-US" smtClean="0"/>
+              <a:rPr lang="en-US"/>
               <a:t>Second level</a:t>
             </a:r>
           </a:p>
           <a:p>
             <a:pPr lvl="2"/>
             <a:r>
-              <a:rPr lang="en-US" smtClean="0"/>
+              <a:rPr lang="en-US"/>
               <a:t>Third level</a:t>
             </a:r>
           </a:p>
           <a:p>
             <a:pPr lvl="3"/>
             <a:r>
-              <a:rPr lang="en-US" smtClean="0"/>
+              <a:rPr lang="en-US"/>
               <a:t>Fourth level</a:t>
             </a:r>
           </a:p>
           <a:p>
             <a:pPr lvl="4"/>
             <a:r>
-              <a:rPr lang="en-US" smtClean="0"/>
+              <a:rPr lang="en-US"/>
               <a:t>Fifth level</a:t>
             </a:r>
-            <a:endParaRPr lang="en-US"/>
           </a:p>
         </p:txBody>
       </p:sp>
@@ -1531,7 +1523,7 @@
           <a:p>
             <a:pPr lvl="0"/>
             <a:r>
-              <a:rPr lang="en-US" smtClean="0"/>
+              <a:rPr lang="en-US"/>
               <a:t>Edit Master text styles</a:t>
             </a:r>
           </a:p>
@@ -1559,38 +1551,37 @@
           <a:p>
             <a:pPr lvl="0"/>
             <a:r>
-              <a:rPr lang="en-US" smtClean="0"/>
+              <a:rPr lang="en-US"/>
               <a:t>Edit Master text styles</a:t>
             </a:r>
           </a:p>
           <a:p>
             <a:pPr lvl="1"/>
             <a:r>
-              <a:rPr lang="en-US" smtClean="0"/>
+              <a:rPr lang="en-US"/>
               <a:t>Second level</a:t>
             </a:r>
           </a:p>
           <a:p>
             <a:pPr lvl="2"/>
             <a:r>
-              <a:rPr lang="en-US" smtClean="0"/>
+              <a:rPr lang="en-US"/>
               <a:t>Third level</a:t>
             </a:r>
           </a:p>
           <a:p>
             <a:pPr lvl="3"/>
             <a:r>
-              <a:rPr lang="en-US" smtClean="0"/>
+              <a:rPr lang="en-US"/>
               <a:t>Fourth level</a:t>
             </a:r>
           </a:p>
           <a:p>
             <a:pPr lvl="4"/>
             <a:r>
-              <a:rPr lang="en-US" smtClean="0"/>
+              <a:rPr lang="en-US"/>
               <a:t>Fifth level</a:t>
             </a:r>
-            <a:endParaRPr lang="en-US"/>
           </a:p>
         </p:txBody>
       </p:sp>
@@ -1611,7 +1602,7 @@
           <a:p>
             <a:fld id="{0F052750-446A-4596-BF81-5C8255A5315A}" type="datetimeFigureOut">
               <a:rPr lang="en-US" smtClean="0"/>
-              <a:t>10/12/2019</a:t>
+              <a:t>10/13/2019</a:t>
             </a:fld>
             <a:endParaRPr lang="en-US"/>
           </a:p>
@@ -1705,10 +1696,9 @@
           <a:lstStyle/>
           <a:p>
             <a:r>
-              <a:rPr lang="en-US" smtClean="0"/>
+              <a:rPr lang="en-US"/>
               <a:t>Click to edit Master title style</a:t>
             </a:r>
-            <a:endParaRPr lang="en-US"/>
           </a:p>
         </p:txBody>
       </p:sp>
@@ -1729,7 +1719,7 @@
           <a:p>
             <a:fld id="{0F052750-446A-4596-BF81-5C8255A5315A}" type="datetimeFigureOut">
               <a:rPr lang="en-US" smtClean="0"/>
-              <a:t>10/12/2019</a:t>
+              <a:t>10/13/2019</a:t>
             </a:fld>
             <a:endParaRPr lang="en-US"/>
           </a:p>
@@ -1824,7 +1814,7 @@
           <a:p>
             <a:fld id="{0F052750-446A-4596-BF81-5C8255A5315A}" type="datetimeFigureOut">
               <a:rPr lang="en-US" smtClean="0"/>
-              <a:t>10/12/2019</a:t>
+              <a:t>10/13/2019</a:t>
             </a:fld>
             <a:endParaRPr lang="en-US"/>
           </a:p>
@@ -1927,10 +1917,9 @@
           </a:lstStyle>
           <a:p>
             <a:r>
-              <a:rPr lang="en-US" smtClean="0"/>
+              <a:rPr lang="en-US"/>
               <a:t>Click to edit Master title style</a:t>
             </a:r>
-            <a:endParaRPr lang="en-US"/>
           </a:p>
         </p:txBody>
       </p:sp>
@@ -1984,38 +1973,37 @@
           <a:p>
             <a:pPr lvl="0"/>
             <a:r>
-              <a:rPr lang="en-US" smtClean="0"/>
+              <a:rPr lang="en-US"/>
               <a:t>Edit Master text styles</a:t>
             </a:r>
           </a:p>
           <a:p>
             <a:pPr lvl="1"/>
             <a:r>
-              <a:rPr lang="en-US" smtClean="0"/>
+              <a:rPr lang="en-US"/>
               <a:t>Second level</a:t>
             </a:r>
           </a:p>
           <a:p>
             <a:pPr lvl="2"/>
             <a:r>
-              <a:rPr lang="en-US" smtClean="0"/>
+              <a:rPr lang="en-US"/>
               <a:t>Third level</a:t>
             </a:r>
           </a:p>
           <a:p>
             <a:pPr lvl="3"/>
             <a:r>
-              <a:rPr lang="en-US" smtClean="0"/>
+              <a:rPr lang="en-US"/>
               <a:t>Fourth level</a:t>
             </a:r>
           </a:p>
           <a:p>
             <a:pPr lvl="4"/>
             <a:r>
-              <a:rPr lang="en-US" smtClean="0"/>
+              <a:rPr lang="en-US"/>
               <a:t>Fifth level</a:t>
             </a:r>
-            <a:endParaRPr lang="en-US"/>
           </a:p>
         </p:txBody>
       </p:sp>
@@ -2078,7 +2066,7 @@
           <a:p>
             <a:pPr lvl="0"/>
             <a:r>
-              <a:rPr lang="en-US" smtClean="0"/>
+              <a:rPr lang="en-US"/>
               <a:t>Edit Master text styles</a:t>
             </a:r>
           </a:p>
@@ -2101,7 +2089,7 @@
           <a:p>
             <a:fld id="{0F052750-446A-4596-BF81-5C8255A5315A}" type="datetimeFigureOut">
               <a:rPr lang="en-US" smtClean="0"/>
-              <a:t>10/12/2019</a:t>
+              <a:t>10/13/2019</a:t>
             </a:fld>
             <a:endParaRPr lang="en-US"/>
           </a:p>
@@ -2204,10 +2192,9 @@
           </a:lstStyle>
           <a:p>
             <a:r>
-              <a:rPr lang="en-US" smtClean="0"/>
+              <a:rPr lang="en-US"/>
               <a:t>Click to edit Master title style</a:t>
             </a:r>
-            <a:endParaRPr lang="en-US"/>
           </a:p>
         </p:txBody>
       </p:sp>
@@ -2331,7 +2318,7 @@
           <a:p>
             <a:pPr lvl="0"/>
             <a:r>
-              <a:rPr lang="en-US" smtClean="0"/>
+              <a:rPr lang="en-US"/>
               <a:t>Edit Master text styles</a:t>
             </a:r>
           </a:p>
@@ -2354,7 +2341,7 @@
           <a:p>
             <a:fld id="{0F052750-446A-4596-BF81-5C8255A5315A}" type="datetimeFigureOut">
               <a:rPr lang="en-US" smtClean="0"/>
-              <a:t>10/12/2019</a:t>
+              <a:t>10/13/2019</a:t>
             </a:fld>
             <a:endParaRPr lang="en-US"/>
           </a:p>
@@ -2463,10 +2450,9 @@
           <a:lstStyle/>
           <a:p>
             <a:r>
-              <a:rPr lang="en-US" smtClean="0"/>
+              <a:rPr lang="en-US"/>
               <a:t>Click to edit Master title style</a:t>
             </a:r>
-            <a:endParaRPr lang="en-US"/>
           </a:p>
         </p:txBody>
       </p:sp>
@@ -2497,38 +2483,37 @@
           <a:p>
             <a:pPr lvl="0"/>
             <a:r>
-              <a:rPr lang="en-US" smtClean="0"/>
+              <a:rPr lang="en-US"/>
               <a:t>Edit Master text styles</a:t>
             </a:r>
           </a:p>
           <a:p>
             <a:pPr lvl="1"/>
             <a:r>
-              <a:rPr lang="en-US" smtClean="0"/>
+              <a:rPr lang="en-US"/>
               <a:t>Second level</a:t>
             </a:r>
           </a:p>
           <a:p>
             <a:pPr lvl="2"/>
             <a:r>
-              <a:rPr lang="en-US" smtClean="0"/>
+              <a:rPr lang="en-US"/>
               <a:t>Third level</a:t>
             </a:r>
           </a:p>
           <a:p>
             <a:pPr lvl="3"/>
             <a:r>
-              <a:rPr lang="en-US" smtClean="0"/>
+              <a:rPr lang="en-US"/>
               <a:t>Fourth level</a:t>
             </a:r>
           </a:p>
           <a:p>
             <a:pPr lvl="4"/>
             <a:r>
-              <a:rPr lang="en-US" smtClean="0"/>
+              <a:rPr lang="en-US"/>
               <a:t>Fifth level</a:t>
             </a:r>
-            <a:endParaRPr lang="en-US"/>
           </a:p>
         </p:txBody>
       </p:sp>
@@ -2567,7 +2552,7 @@
           <a:p>
             <a:fld id="{0F052750-446A-4596-BF81-5C8255A5315A}" type="datetimeFigureOut">
               <a:rPr lang="en-US" smtClean="0"/>
-              <a:t>10/12/2019</a:t>
+              <a:t>10/13/2019</a:t>
             </a:fld>
             <a:endParaRPr lang="en-US"/>
           </a:p>
@@ -3033,7 +3018,7 @@
           <a:lstStyle/>
           <a:p>
             <a:r>
-              <a:rPr lang="en-US" b="1" dirty="0" smtClean="0">
+              <a:rPr lang="en-US" b="1" dirty="0">
                 <a:solidFill>
                   <a:srgbClr val="CC5833"/>
                 </a:solidFill>
@@ -3056,25 +3041,16 @@
   <p:clrMapOvr>
     <a:masterClrMapping/>
   </p:clrMapOvr>
-  <p:timing>
-    <p:tnLst>
-      <p:par>
-        <p:cTn id="1" dur="indefinite" restart="never" nodeType="tmRoot"/>
-      </p:par>
-    </p:tnLst>
-  </p:timing>
 </p:sld>
 </file>
 
-<file path=ppt/slides/slide2.xml><?xml version="1.0" encoding="utf-8"?>
+<file path=ppt/slides/slide10.xml><?xml version="1.0" encoding="utf-8"?>
 <p:sld xmlns:a="http://schemas.openxmlformats.org/drawingml/2006/main" xmlns:r="http://schemas.openxmlformats.org/officeDocument/2006/relationships" xmlns:p="http://schemas.openxmlformats.org/presentationml/2006/main">
   <p:cSld>
     <p:bg>
       <p:bgPr>
         <a:solidFill>
-          <a:schemeClr val="bg1">
-            <a:lumMod val="95000"/>
-          </a:schemeClr>
+          <a:srgbClr val="E3E1E1"/>
         </a:solidFill>
         <a:effectLst/>
       </p:bgPr>
@@ -3093,350 +3069,182 @@
           <a:chExt cx="0" cy="0"/>
         </a:xfrm>
       </p:grpSpPr>
-      <p:sp>
-        <p:nvSpPr>
-          <p:cNvPr id="3" name="Rectangle 2"/>
-          <p:cNvSpPr/>
+      <p:pic>
+        <p:nvPicPr>
+          <p:cNvPr id="1030" name="Picture 6" descr="Image result for pixel 2 vector"/>
+          <p:cNvPicPr>
+            <a:picLocks noChangeAspect="1" noChangeArrowheads="1"/>
+          </p:cNvPicPr>
           <p:nvPr/>
-        </p:nvSpPr>
+        </p:nvPicPr>
+        <p:blipFill>
+          <a:blip r:embed="rId2">
+            <a:extLst>
+              <a:ext uri="{28A0092B-C50C-407E-A947-70E740481C1C}">
+                <a14:useLocalDpi xmlns:a14="http://schemas.microsoft.com/office/drawing/2010/main" val="0"/>
+              </a:ext>
+            </a:extLst>
+          </a:blip>
+          <a:srcRect/>
+          <a:stretch>
+            <a:fillRect/>
+          </a:stretch>
+        </p:blipFill>
+        <p:spPr bwMode="auto">
+          <a:xfrm>
+            <a:off x="1487937" y="-54094"/>
+            <a:ext cx="9216125" cy="6912094"/>
+          </a:xfrm>
+          <a:prstGeom prst="rect">
+            <a:avLst/>
+          </a:prstGeom>
+          <a:noFill/>
+          <a:extLst>
+            <a:ext uri="{909E8E84-426E-40DD-AFC4-6F175D3DCCD1}">
+              <a14:hiddenFill xmlns:a14="http://schemas.microsoft.com/office/drawing/2010/main">
+                <a:solidFill>
+                  <a:srgbClr val="FFFFFF"/>
+                </a:solidFill>
+              </a14:hiddenFill>
+            </a:ext>
+          </a:extLst>
+        </p:spPr>
+      </p:pic>
+      <p:pic>
+        <p:nvPicPr>
+          <p:cNvPr id="2" name="Picture 1"/>
+          <p:cNvPicPr>
+            <a:picLocks noChangeAspect="1"/>
+          </p:cNvPicPr>
+          <p:nvPr/>
+        </p:nvPicPr>
+        <p:blipFill rotWithShape="1">
+          <a:blip r:embed="rId3"/>
+          <a:srcRect l="3618" t="8963" r="3989" b="32794"/>
+          <a:stretch/>
+        </p:blipFill>
         <p:spPr>
           <a:xfrm>
-            <a:off x="1145451" y="1150173"/>
-            <a:ext cx="9729216" cy="4185761"/>
+            <a:off x="5077960" y="1809750"/>
+            <a:ext cx="2036078" cy="2259806"/>
           </a:xfrm>
           <a:prstGeom prst="rect">
             <a:avLst/>
           </a:prstGeom>
         </p:spPr>
-        <p:txBody>
-          <a:bodyPr wrap="square">
+      </p:pic>
+      <p:sp>
+        <p:nvSpPr>
+          <p:cNvPr id="3" name="TextBox 2"/>
+          <p:cNvSpPr txBox="1"/>
+          <p:nvPr/>
+        </p:nvSpPr>
+        <p:spPr>
+          <a:xfrm>
+            <a:off x="916897" y="848413"/>
+            <a:ext cx="3409523" cy="369332"/>
+          </a:xfrm>
+          <a:prstGeom prst="rect">
+            <a:avLst/>
+          </a:prstGeom>
+          <a:noFill/>
+        </p:spPr>
+        <p:txBody>
+          <a:bodyPr wrap="none" rtlCol="0">
             <a:spAutoFit/>
           </a:bodyPr>
           <a:lstStyle/>
           <a:p>
             <a:r>
-              <a:rPr lang="en-US" sz="2800" b="1" dirty="0" smtClean="0">
+              <a:rPr lang="en-US" b="1" dirty="0">
                 <a:solidFill>
-                  <a:schemeClr val="tx1">
-                    <a:lumMod val="85000"/>
-                    <a:lumOff val="15000"/>
-                  </a:schemeClr>
+                  <a:srgbClr val="E64A19"/>
                 </a:solidFill>
-                <a:latin typeface="Segoe UI" panose="020B0502040204020203" pitchFamily="34" charset="0"/>
-                <a:cs typeface="Segoe UI" panose="020B0502040204020203" pitchFamily="34" charset="0"/>
               </a:rPr>
-              <a:t>Your digital AI assistant to plan your trips</a:t>
-            </a:r>
-          </a:p>
-          <a:p>
-            <a:endParaRPr lang="en-US" sz="2800" b="1" dirty="0" smtClean="0">
-              <a:solidFill>
-                <a:schemeClr val="tx1">
-                  <a:lumMod val="85000"/>
-                  <a:lumOff val="15000"/>
-                </a:schemeClr>
-              </a:solidFill>
-              <a:latin typeface="Segoe UI" panose="020B0502040204020203" pitchFamily="34" charset="0"/>
-              <a:cs typeface="Segoe UI" panose="020B0502040204020203" pitchFamily="34" charset="0"/>
-            </a:endParaRPr>
-          </a:p>
-          <a:p>
-            <a:r>
-              <a:rPr lang="en-US" sz="2000" b="1" dirty="0" smtClean="0">
-                <a:solidFill>
-                  <a:schemeClr val="tx1">
-                    <a:lumMod val="85000"/>
-                    <a:lumOff val="15000"/>
-                  </a:schemeClr>
-                </a:solidFill>
-                <a:latin typeface="Segoe UI" panose="020B0502040204020203" pitchFamily="34" charset="0"/>
-                <a:cs typeface="Segoe UI" panose="020B0502040204020203" pitchFamily="34" charset="0"/>
-              </a:rPr>
-              <a:t>What all we offer?</a:t>
-            </a:r>
-          </a:p>
-          <a:p>
-            <a:endParaRPr lang="en-US" sz="2800" dirty="0">
-              <a:solidFill>
-                <a:schemeClr val="tx1">
-                  <a:lumMod val="85000"/>
-                  <a:lumOff val="15000"/>
-                </a:schemeClr>
-              </a:solidFill>
-              <a:latin typeface="Segoe UI" panose="020B0502040204020203" pitchFamily="34" charset="0"/>
-              <a:cs typeface="Segoe UI" panose="020B0502040204020203" pitchFamily="34" charset="0"/>
-            </a:endParaRPr>
-          </a:p>
-          <a:p>
-            <a:pPr marL="285750" indent="-285750">
-              <a:buFont typeface="Arial" panose="020B0604020202020204" pitchFamily="34" charset="0"/>
-              <a:buChar char="•"/>
-            </a:pPr>
-            <a:r>
-              <a:rPr lang="en-US" dirty="0" smtClean="0">
-                <a:solidFill>
-                  <a:schemeClr val="tx1">
-                    <a:lumMod val="85000"/>
-                    <a:lumOff val="15000"/>
-                  </a:schemeClr>
-                </a:solidFill>
-                <a:latin typeface="Segoe UI" panose="020B0502040204020203" pitchFamily="34" charset="0"/>
-                <a:cs typeface="Segoe UI" panose="020B0502040204020203" pitchFamily="34" charset="0"/>
-              </a:rPr>
-              <a:t>Personalized Location Selection</a:t>
-            </a:r>
-            <a:endParaRPr lang="en-US" dirty="0">
-              <a:solidFill>
-                <a:schemeClr val="tx1">
-                  <a:lumMod val="85000"/>
-                  <a:lumOff val="15000"/>
-                </a:schemeClr>
-              </a:solidFill>
-              <a:latin typeface="Segoe UI" panose="020B0502040204020203" pitchFamily="34" charset="0"/>
-              <a:cs typeface="Segoe UI" panose="020B0502040204020203" pitchFamily="34" charset="0"/>
-            </a:endParaRPr>
-          </a:p>
-          <a:p>
-            <a:pPr marL="285750" indent="-285750">
-              <a:buFont typeface="Arial" panose="020B0604020202020204" pitchFamily="34" charset="0"/>
-              <a:buChar char="•"/>
-            </a:pPr>
-            <a:r>
-              <a:rPr lang="en-US" dirty="0" smtClean="0">
-                <a:solidFill>
-                  <a:schemeClr val="tx1">
-                    <a:lumMod val="85000"/>
-                    <a:lumOff val="15000"/>
-                  </a:schemeClr>
-                </a:solidFill>
-                <a:latin typeface="Segoe UI" panose="020B0502040204020203" pitchFamily="34" charset="0"/>
-                <a:cs typeface="Segoe UI" panose="020B0502040204020203" pitchFamily="34" charset="0"/>
-              </a:rPr>
-              <a:t>Custom Package Selection</a:t>
-            </a:r>
-            <a:endParaRPr lang="en-US" dirty="0">
-              <a:solidFill>
-                <a:schemeClr val="tx1">
-                  <a:lumMod val="85000"/>
-                  <a:lumOff val="15000"/>
-                </a:schemeClr>
-              </a:solidFill>
-              <a:latin typeface="Segoe UI" panose="020B0502040204020203" pitchFamily="34" charset="0"/>
-              <a:cs typeface="Segoe UI" panose="020B0502040204020203" pitchFamily="34" charset="0"/>
-            </a:endParaRPr>
-          </a:p>
-          <a:p>
-            <a:pPr marL="285750" indent="-285750">
-              <a:buFont typeface="Arial" panose="020B0604020202020204" pitchFamily="34" charset="0"/>
-              <a:buChar char="•"/>
-            </a:pPr>
-            <a:r>
-              <a:rPr lang="en-US" dirty="0" smtClean="0">
-                <a:solidFill>
-                  <a:schemeClr val="tx1">
-                    <a:lumMod val="85000"/>
-                    <a:lumOff val="15000"/>
-                  </a:schemeClr>
-                </a:solidFill>
-                <a:latin typeface="Segoe UI" panose="020B0502040204020203" pitchFamily="34" charset="0"/>
-                <a:cs typeface="Segoe UI" panose="020B0502040204020203" pitchFamily="34" charset="0"/>
-              </a:rPr>
-              <a:t>Packages personalized for couples and bachelors</a:t>
-            </a:r>
-            <a:endParaRPr lang="en-US" dirty="0">
-              <a:solidFill>
-                <a:schemeClr val="tx1">
-                  <a:lumMod val="85000"/>
-                  <a:lumOff val="15000"/>
-                </a:schemeClr>
-              </a:solidFill>
-              <a:latin typeface="Segoe UI" panose="020B0502040204020203" pitchFamily="34" charset="0"/>
-              <a:cs typeface="Segoe UI" panose="020B0502040204020203" pitchFamily="34" charset="0"/>
-            </a:endParaRPr>
-          </a:p>
-          <a:p>
-            <a:pPr marL="285750" indent="-285750">
-              <a:buFont typeface="Arial" panose="020B0604020202020204" pitchFamily="34" charset="0"/>
-              <a:buChar char="•"/>
-            </a:pPr>
-            <a:r>
-              <a:rPr lang="en-US" dirty="0" smtClean="0">
-                <a:solidFill>
-                  <a:schemeClr val="tx1">
-                    <a:lumMod val="85000"/>
-                    <a:lumOff val="15000"/>
-                  </a:schemeClr>
-                </a:solidFill>
-                <a:latin typeface="Segoe UI" panose="020B0502040204020203" pitchFamily="34" charset="0"/>
-                <a:cs typeface="Segoe UI" panose="020B0502040204020203" pitchFamily="34" charset="0"/>
-              </a:rPr>
-              <a:t>Selection </a:t>
-            </a:r>
-            <a:r>
-              <a:rPr lang="en-US" dirty="0">
-                <a:solidFill>
-                  <a:schemeClr val="tx1">
-                    <a:lumMod val="85000"/>
-                    <a:lumOff val="15000"/>
-                  </a:schemeClr>
-                </a:solidFill>
-                <a:latin typeface="Segoe UI" panose="020B0502040204020203" pitchFamily="34" charset="0"/>
-                <a:cs typeface="Segoe UI" panose="020B0502040204020203" pitchFamily="34" charset="0"/>
-              </a:rPr>
-              <a:t>of rooms based on package preference</a:t>
-            </a:r>
-          </a:p>
-          <a:p>
-            <a:pPr marL="285750" indent="-285750">
-              <a:buFont typeface="Arial" panose="020B0604020202020204" pitchFamily="34" charset="0"/>
-              <a:buChar char="•"/>
-            </a:pPr>
-            <a:r>
-              <a:rPr lang="en-US" dirty="0" smtClean="0">
-                <a:solidFill>
-                  <a:schemeClr val="tx1">
-                    <a:lumMod val="85000"/>
-                    <a:lumOff val="15000"/>
-                  </a:schemeClr>
-                </a:solidFill>
-                <a:latin typeface="Segoe UI" panose="020B0502040204020203" pitchFamily="34" charset="0"/>
-                <a:cs typeface="Segoe UI" panose="020B0502040204020203" pitchFamily="34" charset="0"/>
-              </a:rPr>
-              <a:t>Suggests Restaurants</a:t>
-            </a:r>
-            <a:endParaRPr lang="en-US" dirty="0">
-              <a:solidFill>
-                <a:schemeClr val="tx1">
-                  <a:lumMod val="85000"/>
-                  <a:lumOff val="15000"/>
-                </a:schemeClr>
-              </a:solidFill>
-              <a:latin typeface="Segoe UI" panose="020B0502040204020203" pitchFamily="34" charset="0"/>
-              <a:cs typeface="Segoe UI" panose="020B0502040204020203" pitchFamily="34" charset="0"/>
-            </a:endParaRPr>
-          </a:p>
-          <a:p>
-            <a:pPr marL="285750" indent="-285750">
-              <a:buFont typeface="Arial" panose="020B0604020202020204" pitchFamily="34" charset="0"/>
-              <a:buChar char="•"/>
-            </a:pPr>
-            <a:r>
-              <a:rPr lang="en-US" dirty="0" smtClean="0">
-                <a:solidFill>
-                  <a:schemeClr val="tx1">
-                    <a:lumMod val="85000"/>
-                    <a:lumOff val="15000"/>
-                  </a:schemeClr>
-                </a:solidFill>
-                <a:latin typeface="Segoe UI" panose="020B0502040204020203" pitchFamily="34" charset="0"/>
-                <a:cs typeface="Segoe UI" panose="020B0502040204020203" pitchFamily="34" charset="0"/>
-              </a:rPr>
-              <a:t>Suggests tourists spots to visit</a:t>
-            </a:r>
-            <a:endParaRPr lang="en-US" dirty="0">
-              <a:solidFill>
-                <a:schemeClr val="tx1">
-                  <a:lumMod val="85000"/>
-                  <a:lumOff val="15000"/>
-                </a:schemeClr>
-              </a:solidFill>
-              <a:latin typeface="Segoe UI" panose="020B0502040204020203" pitchFamily="34" charset="0"/>
-              <a:cs typeface="Segoe UI" panose="020B0502040204020203" pitchFamily="34" charset="0"/>
-            </a:endParaRPr>
-          </a:p>
-          <a:p>
-            <a:pPr marL="285750" indent="-285750">
-              <a:buFont typeface="Arial" panose="020B0604020202020204" pitchFamily="34" charset="0"/>
-              <a:buChar char="•"/>
-            </a:pPr>
-            <a:r>
-              <a:rPr lang="en-US" dirty="0" smtClean="0">
-                <a:solidFill>
-                  <a:schemeClr val="tx1">
-                    <a:lumMod val="85000"/>
-                    <a:lumOff val="15000"/>
-                  </a:schemeClr>
-                </a:solidFill>
-                <a:latin typeface="Segoe UI" panose="020B0502040204020203" pitchFamily="34" charset="0"/>
-                <a:cs typeface="Segoe UI" panose="020B0502040204020203" pitchFamily="34" charset="0"/>
-              </a:rPr>
-              <a:t>Optional guides, with suits you the most</a:t>
-            </a:r>
-            <a:endParaRPr lang="en-US" dirty="0">
-              <a:solidFill>
-                <a:schemeClr val="tx1">
-                  <a:lumMod val="85000"/>
-                  <a:lumOff val="15000"/>
-                </a:schemeClr>
-              </a:solidFill>
-              <a:latin typeface="Segoe UI" panose="020B0502040204020203" pitchFamily="34" charset="0"/>
-              <a:cs typeface="Segoe UI" panose="020B0502040204020203" pitchFamily="34" charset="0"/>
-            </a:endParaRPr>
-          </a:p>
-          <a:p>
-            <a:pPr marL="285750" indent="-285750">
-              <a:buFont typeface="Arial" panose="020B0604020202020204" pitchFamily="34" charset="0"/>
-              <a:buChar char="•"/>
-            </a:pPr>
-            <a:r>
-              <a:rPr lang="en-US" dirty="0" smtClean="0">
-                <a:solidFill>
-                  <a:schemeClr val="tx1">
-                    <a:lumMod val="85000"/>
-                    <a:lumOff val="15000"/>
-                  </a:schemeClr>
-                </a:solidFill>
-                <a:latin typeface="Segoe UI" panose="020B0502040204020203" pitchFamily="34" charset="0"/>
-                <a:cs typeface="Segoe UI" panose="020B0502040204020203" pitchFamily="34" charset="0"/>
-              </a:rPr>
-              <a:t>Book taxi from the app</a:t>
-            </a:r>
-            <a:endParaRPr lang="en-US" dirty="0">
-              <a:solidFill>
-                <a:schemeClr val="tx1">
-                  <a:lumMod val="85000"/>
-                  <a:lumOff val="15000"/>
-                </a:schemeClr>
-              </a:solidFill>
-              <a:latin typeface="Segoe UI" panose="020B0502040204020203" pitchFamily="34" charset="0"/>
-              <a:cs typeface="Segoe UI" panose="020B0502040204020203" pitchFamily="34" charset="0"/>
-            </a:endParaRPr>
-          </a:p>
-          <a:p>
-            <a:pPr marL="285750" indent="-285750">
-              <a:buFont typeface="Arial" panose="020B0604020202020204" pitchFamily="34" charset="0"/>
-              <a:buChar char="•"/>
-            </a:pPr>
-            <a:r>
-              <a:rPr lang="en-US" dirty="0" smtClean="0">
-                <a:solidFill>
-                  <a:schemeClr val="tx1">
-                    <a:lumMod val="85000"/>
-                    <a:lumOff val="15000"/>
-                  </a:schemeClr>
-                </a:solidFill>
-                <a:latin typeface="Segoe UI" panose="020B0502040204020203" pitchFamily="34" charset="0"/>
-                <a:cs typeface="Segoe UI" panose="020B0502040204020203" pitchFamily="34" charset="0"/>
-              </a:rPr>
-              <a:t>All your payments from a single portal</a:t>
-            </a:r>
-            <a:endParaRPr lang="en-US" dirty="0">
-              <a:solidFill>
-                <a:schemeClr val="tx1">
-                  <a:lumMod val="85000"/>
-                  <a:lumOff val="15000"/>
-                </a:schemeClr>
-              </a:solidFill>
-              <a:latin typeface="Segoe UI" panose="020B0502040204020203" pitchFamily="34" charset="0"/>
-              <a:cs typeface="Segoe UI" panose="020B0502040204020203" pitchFamily="34" charset="0"/>
-            </a:endParaRPr>
+              <a:t>Optimized for Mobiles, PCs, Webs</a:t>
+            </a:r>
           </a:p>
         </p:txBody>
       </p:sp>
     </p:spTree>
     <p:extLst>
       <p:ext uri="{BB962C8B-B14F-4D97-AF65-F5344CB8AC3E}">
-        <p14:creationId xmlns:p14="http://schemas.microsoft.com/office/powerpoint/2010/main" val="2763323702"/>
+        <p14:creationId xmlns:p14="http://schemas.microsoft.com/office/powerpoint/2010/main" val="3948729228"/>
+      </p:ext>
+    </p:extLst>
+  </p:cSld>
+  <p:clrMapOvr>
+    <a:masterClrMapping/>
+  </p:clrMapOvr>
+</p:sld>
+</file>
+
+<file path=ppt/slides/slide2.xml><?xml version="1.0" encoding="utf-8"?>
+<p:sld xmlns:a="http://schemas.openxmlformats.org/drawingml/2006/main" xmlns:r="http://schemas.openxmlformats.org/officeDocument/2006/relationships" xmlns:p="http://schemas.openxmlformats.org/presentationml/2006/main">
+  <p:cSld>
+    <p:bg>
+      <p:bgPr>
+        <a:solidFill>
+          <a:srgbClr val="E3E1E1"/>
+        </a:solidFill>
+        <a:effectLst/>
+      </p:bgPr>
+    </p:bg>
+    <p:spTree>
+      <p:nvGrpSpPr>
+        <p:cNvPr id="1" name=""/>
+        <p:cNvGrpSpPr/>
+        <p:nvPr/>
+      </p:nvGrpSpPr>
+      <p:grpSpPr>
+        <a:xfrm>
+          <a:off x="0" y="0"/>
+          <a:ext cx="0" cy="0"/>
+          <a:chOff x="0" y="0"/>
+          <a:chExt cx="0" cy="0"/>
+        </a:xfrm>
+      </p:grpSpPr>
+      <p:sp>
+        <p:nvSpPr>
+          <p:cNvPr id="5" name="TextBox 4"/>
+          <p:cNvSpPr txBox="1"/>
+          <p:nvPr/>
+        </p:nvSpPr>
+        <p:spPr>
+          <a:xfrm>
+            <a:off x="2783426" y="2875002"/>
+            <a:ext cx="6625147" cy="1107996"/>
+          </a:xfrm>
+          <a:prstGeom prst="rect">
+            <a:avLst/>
+          </a:prstGeom>
+          <a:noFill/>
+        </p:spPr>
+        <p:txBody>
+          <a:bodyPr wrap="none" rtlCol="0">
+            <a:spAutoFit/>
+          </a:bodyPr>
+          <a:lstStyle/>
+          <a:p>
+            <a:pPr algn="ctr"/>
+            <a:r>
+              <a:rPr lang="en-US" sz="6600" b="1" dirty="0">
+                <a:solidFill>
+                  <a:srgbClr val="CC5833"/>
+                </a:solidFill>
+                <a:latin typeface="Arial Nova Cond" panose="020B0506020202020204" pitchFamily="34" charset="0"/>
+                <a:ea typeface="Microsoft Sans Serif" panose="020B0604020202020204" pitchFamily="34" charset="0"/>
+                <a:cs typeface="Microsoft Sans Serif" panose="020B0604020202020204" pitchFamily="34" charset="0"/>
+              </a:rPr>
+              <a:t>Simplify Your Trips</a:t>
+            </a:r>
+          </a:p>
+        </p:txBody>
+      </p:sp>
+    </p:spTree>
+    <p:extLst>
+      <p:ext uri="{BB962C8B-B14F-4D97-AF65-F5344CB8AC3E}">
+        <p14:creationId xmlns:p14="http://schemas.microsoft.com/office/powerpoint/2010/main" val="352619407"/>
       </p:ext>
     </p:extLst>
   </p:cSld>
@@ -3452,9 +3260,389 @@
     <p:bg>
       <p:bgPr>
         <a:solidFill>
-          <a:schemeClr val="bg1">
-            <a:lumMod val="95000"/>
-          </a:schemeClr>
+          <a:srgbClr val="E3E1E1"/>
+        </a:solidFill>
+        <a:effectLst/>
+      </p:bgPr>
+    </p:bg>
+    <p:spTree>
+      <p:nvGrpSpPr>
+        <p:cNvPr id="1" name=""/>
+        <p:cNvGrpSpPr/>
+        <p:nvPr/>
+      </p:nvGrpSpPr>
+      <p:grpSpPr>
+        <a:xfrm>
+          <a:off x="0" y="0"/>
+          <a:ext cx="0" cy="0"/>
+          <a:chOff x="0" y="0"/>
+          <a:chExt cx="0" cy="0"/>
+        </a:xfrm>
+      </p:grpSpPr>
+      <p:sp>
+        <p:nvSpPr>
+          <p:cNvPr id="3" name="Rectangle 2"/>
+          <p:cNvSpPr/>
+          <p:nvPr/>
+        </p:nvSpPr>
+        <p:spPr>
+          <a:xfrm>
+            <a:off x="1231392" y="1074509"/>
+            <a:ext cx="9729216" cy="4708981"/>
+          </a:xfrm>
+          <a:prstGeom prst="rect">
+            <a:avLst/>
+          </a:prstGeom>
+        </p:spPr>
+        <p:txBody>
+          <a:bodyPr wrap="square">
+            <a:spAutoFit/>
+          </a:bodyPr>
+          <a:lstStyle/>
+          <a:p>
+            <a:pPr lvl="1" algn="ctr"/>
+            <a:r>
+              <a:rPr lang="en-US" sz="4800" b="1" dirty="0">
+                <a:solidFill>
+                  <a:schemeClr val="accent2">
+                    <a:lumMod val="75000"/>
+                  </a:schemeClr>
+                </a:solidFill>
+                <a:latin typeface="Segoe UI" panose="020B0502040204020203" pitchFamily="34" charset="0"/>
+                <a:cs typeface="Segoe UI" panose="020B0502040204020203" pitchFamily="34" charset="0"/>
+              </a:rPr>
+              <a:t>What all we offer?</a:t>
+            </a:r>
+          </a:p>
+          <a:p>
+            <a:pPr lvl="1"/>
+            <a:endParaRPr lang="en-US" sz="3600" dirty="0">
+              <a:solidFill>
+                <a:schemeClr val="tx1">
+                  <a:lumMod val="85000"/>
+                  <a:lumOff val="15000"/>
+                </a:schemeClr>
+              </a:solidFill>
+              <a:latin typeface="Segoe UI" panose="020B0502040204020203" pitchFamily="34" charset="0"/>
+              <a:cs typeface="Segoe UI" panose="020B0502040204020203" pitchFamily="34" charset="0"/>
+            </a:endParaRPr>
+          </a:p>
+          <a:p>
+            <a:pPr marL="1200150" lvl="2" indent="-285750">
+              <a:buFont typeface="Arial" panose="020B0604020202020204" pitchFamily="34" charset="0"/>
+              <a:buChar char="•"/>
+            </a:pPr>
+            <a:r>
+              <a:rPr lang="en-US" sz="2400" dirty="0">
+                <a:solidFill>
+                  <a:schemeClr val="tx1">
+                    <a:lumMod val="85000"/>
+                    <a:lumOff val="15000"/>
+                  </a:schemeClr>
+                </a:solidFill>
+                <a:latin typeface="Segoe UI" panose="020B0502040204020203" pitchFamily="34" charset="0"/>
+                <a:cs typeface="Segoe UI" panose="020B0502040204020203" pitchFamily="34" charset="0"/>
+              </a:rPr>
+              <a:t>Personalized Location Selection</a:t>
+            </a:r>
+          </a:p>
+          <a:p>
+            <a:pPr marL="1200150" lvl="2" indent="-285750">
+              <a:buFont typeface="Arial" panose="020B0604020202020204" pitchFamily="34" charset="0"/>
+              <a:buChar char="•"/>
+            </a:pPr>
+            <a:r>
+              <a:rPr lang="en-US" sz="2400" dirty="0">
+                <a:solidFill>
+                  <a:schemeClr val="tx1">
+                    <a:lumMod val="85000"/>
+                    <a:lumOff val="15000"/>
+                  </a:schemeClr>
+                </a:solidFill>
+                <a:latin typeface="Segoe UI" panose="020B0502040204020203" pitchFamily="34" charset="0"/>
+                <a:cs typeface="Segoe UI" panose="020B0502040204020203" pitchFamily="34" charset="0"/>
+              </a:rPr>
+              <a:t>Custom Package Selection</a:t>
+            </a:r>
+          </a:p>
+          <a:p>
+            <a:pPr marL="1200150" lvl="2" indent="-285750">
+              <a:buFont typeface="Arial" panose="020B0604020202020204" pitchFamily="34" charset="0"/>
+              <a:buChar char="•"/>
+            </a:pPr>
+            <a:r>
+              <a:rPr lang="en-US" sz="2400" dirty="0">
+                <a:solidFill>
+                  <a:schemeClr val="tx1">
+                    <a:lumMod val="85000"/>
+                    <a:lumOff val="15000"/>
+                  </a:schemeClr>
+                </a:solidFill>
+                <a:latin typeface="Segoe UI" panose="020B0502040204020203" pitchFamily="34" charset="0"/>
+                <a:cs typeface="Segoe UI" panose="020B0502040204020203" pitchFamily="34" charset="0"/>
+              </a:rPr>
+              <a:t>Packages personalized for couples and bachelors</a:t>
+            </a:r>
+          </a:p>
+          <a:p>
+            <a:pPr marL="1200150" lvl="2" indent="-285750">
+              <a:buFont typeface="Arial" panose="020B0604020202020204" pitchFamily="34" charset="0"/>
+              <a:buChar char="•"/>
+            </a:pPr>
+            <a:r>
+              <a:rPr lang="en-US" sz="2400" dirty="0">
+                <a:solidFill>
+                  <a:schemeClr val="tx1">
+                    <a:lumMod val="85000"/>
+                    <a:lumOff val="15000"/>
+                  </a:schemeClr>
+                </a:solidFill>
+                <a:latin typeface="Segoe UI" panose="020B0502040204020203" pitchFamily="34" charset="0"/>
+                <a:cs typeface="Segoe UI" panose="020B0502040204020203" pitchFamily="34" charset="0"/>
+              </a:rPr>
+              <a:t>Selection of rooms based on package preference</a:t>
+            </a:r>
+          </a:p>
+          <a:p>
+            <a:pPr marL="1200150" lvl="2" indent="-285750">
+              <a:buFont typeface="Arial" panose="020B0604020202020204" pitchFamily="34" charset="0"/>
+              <a:buChar char="•"/>
+            </a:pPr>
+            <a:r>
+              <a:rPr lang="en-US" sz="2400" dirty="0">
+                <a:solidFill>
+                  <a:schemeClr val="tx1">
+                    <a:lumMod val="85000"/>
+                    <a:lumOff val="15000"/>
+                  </a:schemeClr>
+                </a:solidFill>
+                <a:latin typeface="Segoe UI" panose="020B0502040204020203" pitchFamily="34" charset="0"/>
+                <a:cs typeface="Segoe UI" panose="020B0502040204020203" pitchFamily="34" charset="0"/>
+              </a:rPr>
+              <a:t>Suggests Restaurants</a:t>
+            </a:r>
+          </a:p>
+          <a:p>
+            <a:pPr marL="1200150" lvl="2" indent="-285750">
+              <a:buFont typeface="Arial" panose="020B0604020202020204" pitchFamily="34" charset="0"/>
+              <a:buChar char="•"/>
+            </a:pPr>
+            <a:r>
+              <a:rPr lang="en-US" sz="2400" dirty="0">
+                <a:solidFill>
+                  <a:schemeClr val="tx1">
+                    <a:lumMod val="85000"/>
+                    <a:lumOff val="15000"/>
+                  </a:schemeClr>
+                </a:solidFill>
+                <a:latin typeface="Segoe UI" panose="020B0502040204020203" pitchFamily="34" charset="0"/>
+                <a:cs typeface="Segoe UI" panose="020B0502040204020203" pitchFamily="34" charset="0"/>
+              </a:rPr>
+              <a:t>Suggests tourists spots to visit</a:t>
+            </a:r>
+          </a:p>
+          <a:p>
+            <a:pPr marL="1200150" lvl="2" indent="-285750">
+              <a:buFont typeface="Arial" panose="020B0604020202020204" pitchFamily="34" charset="0"/>
+              <a:buChar char="•"/>
+            </a:pPr>
+            <a:r>
+              <a:rPr lang="en-US" sz="2400" dirty="0">
+                <a:solidFill>
+                  <a:schemeClr val="tx1">
+                    <a:lumMod val="85000"/>
+                    <a:lumOff val="15000"/>
+                  </a:schemeClr>
+                </a:solidFill>
+                <a:latin typeface="Segoe UI" panose="020B0502040204020203" pitchFamily="34" charset="0"/>
+                <a:cs typeface="Segoe UI" panose="020B0502040204020203" pitchFamily="34" charset="0"/>
+              </a:rPr>
+              <a:t>Optional guides, with suits you the most</a:t>
+            </a:r>
+          </a:p>
+          <a:p>
+            <a:pPr marL="1200150" lvl="2" indent="-285750">
+              <a:buFont typeface="Arial" panose="020B0604020202020204" pitchFamily="34" charset="0"/>
+              <a:buChar char="•"/>
+            </a:pPr>
+            <a:r>
+              <a:rPr lang="en-US" sz="2400" dirty="0">
+                <a:solidFill>
+                  <a:schemeClr val="tx1">
+                    <a:lumMod val="85000"/>
+                    <a:lumOff val="15000"/>
+                  </a:schemeClr>
+                </a:solidFill>
+                <a:latin typeface="Segoe UI" panose="020B0502040204020203" pitchFamily="34" charset="0"/>
+                <a:cs typeface="Segoe UI" panose="020B0502040204020203" pitchFamily="34" charset="0"/>
+              </a:rPr>
+              <a:t>Book taxi from the app</a:t>
+            </a:r>
+          </a:p>
+          <a:p>
+            <a:pPr marL="1200150" lvl="2" indent="-285750">
+              <a:buFont typeface="Arial" panose="020B0604020202020204" pitchFamily="34" charset="0"/>
+              <a:buChar char="•"/>
+            </a:pPr>
+            <a:r>
+              <a:rPr lang="en-US" sz="2400" dirty="0">
+                <a:solidFill>
+                  <a:schemeClr val="tx1">
+                    <a:lumMod val="85000"/>
+                    <a:lumOff val="15000"/>
+                  </a:schemeClr>
+                </a:solidFill>
+                <a:latin typeface="Segoe UI" panose="020B0502040204020203" pitchFamily="34" charset="0"/>
+                <a:cs typeface="Segoe UI" panose="020B0502040204020203" pitchFamily="34" charset="0"/>
+              </a:rPr>
+              <a:t>All your payments from a single portal</a:t>
+            </a:r>
+          </a:p>
+        </p:txBody>
+      </p:sp>
+    </p:spTree>
+    <p:extLst>
+      <p:ext uri="{BB962C8B-B14F-4D97-AF65-F5344CB8AC3E}">
+        <p14:creationId xmlns:p14="http://schemas.microsoft.com/office/powerpoint/2010/main" val="2763323702"/>
+      </p:ext>
+    </p:extLst>
+  </p:cSld>
+  <p:clrMapOvr>
+    <a:masterClrMapping/>
+  </p:clrMapOvr>
+</p:sld>
+</file>
+
+<file path=ppt/slides/slide4.xml><?xml version="1.0" encoding="utf-8"?>
+<p:sld xmlns:a="http://schemas.openxmlformats.org/drawingml/2006/main" xmlns:r="http://schemas.openxmlformats.org/officeDocument/2006/relationships" xmlns:p="http://schemas.openxmlformats.org/presentationml/2006/main">
+  <p:cSld>
+    <p:bg>
+      <p:bgPr>
+        <a:solidFill>
+          <a:srgbClr val="E3E1E1"/>
+        </a:solidFill>
+        <a:effectLst/>
+      </p:bgPr>
+    </p:bg>
+    <p:spTree>
+      <p:nvGrpSpPr>
+        <p:cNvPr id="1" name=""/>
+        <p:cNvGrpSpPr/>
+        <p:nvPr/>
+      </p:nvGrpSpPr>
+      <p:grpSpPr>
+        <a:xfrm>
+          <a:off x="0" y="0"/>
+          <a:ext cx="0" cy="0"/>
+          <a:chOff x="0" y="0"/>
+          <a:chExt cx="0" cy="0"/>
+        </a:xfrm>
+      </p:grpSpPr>
+      <p:sp>
+        <p:nvSpPr>
+          <p:cNvPr id="4" name="TextBox 3">
+            <a:extLst>
+              <a:ext uri="{FF2B5EF4-FFF2-40B4-BE49-F238E27FC236}">
+                <a16:creationId xmlns:a16="http://schemas.microsoft.com/office/drawing/2014/main" id="{468AEC93-9BE3-443E-A589-3F93EECF522C}"/>
+              </a:ext>
+            </a:extLst>
+          </p:cNvPr>
+          <p:cNvSpPr txBox="1"/>
+          <p:nvPr/>
+        </p:nvSpPr>
+        <p:spPr>
+          <a:xfrm>
+            <a:off x="994512" y="2105561"/>
+            <a:ext cx="10373802" cy="1323439"/>
+          </a:xfrm>
+          <a:prstGeom prst="rect">
+            <a:avLst/>
+          </a:prstGeom>
+          <a:noFill/>
+        </p:spPr>
+        <p:txBody>
+          <a:bodyPr wrap="none" rtlCol="0">
+            <a:spAutoFit/>
+          </a:bodyPr>
+          <a:lstStyle/>
+          <a:p>
+            <a:r>
+              <a:rPr lang="en-IN" sz="8000" dirty="0">
+                <a:solidFill>
+                  <a:schemeClr val="accent2">
+                    <a:lumMod val="75000"/>
+                  </a:schemeClr>
+                </a:solidFill>
+                <a:latin typeface="Arial Nova Cond" panose="020B0506020202020204" pitchFamily="34" charset="0"/>
+              </a:rPr>
+              <a:t>Eye-Catching Suggestion</a:t>
+            </a:r>
+          </a:p>
+        </p:txBody>
+      </p:sp>
+      <p:sp>
+        <p:nvSpPr>
+          <p:cNvPr id="3" name="TextBox 2">
+            <a:extLst>
+              <a:ext uri="{FF2B5EF4-FFF2-40B4-BE49-F238E27FC236}">
+                <a16:creationId xmlns:a16="http://schemas.microsoft.com/office/drawing/2014/main" id="{0C584026-EAE9-441F-B480-7382B12EA620}"/>
+              </a:ext>
+            </a:extLst>
+          </p:cNvPr>
+          <p:cNvSpPr txBox="1"/>
+          <p:nvPr/>
+        </p:nvSpPr>
+        <p:spPr>
+          <a:xfrm>
+            <a:off x="3845159" y="3651927"/>
+            <a:ext cx="4501682" cy="523220"/>
+          </a:xfrm>
+          <a:prstGeom prst="rect">
+            <a:avLst/>
+          </a:prstGeom>
+          <a:noFill/>
+        </p:spPr>
+        <p:txBody>
+          <a:bodyPr wrap="none" rtlCol="0">
+            <a:spAutoFit/>
+          </a:bodyPr>
+          <a:lstStyle/>
+          <a:p>
+            <a:r>
+              <a:rPr lang="en-IN" sz="2800" dirty="0">
+                <a:solidFill>
+                  <a:schemeClr val="tx1">
+                    <a:lumMod val="75000"/>
+                    <a:lumOff val="25000"/>
+                  </a:schemeClr>
+                </a:solidFill>
+                <a:latin typeface="Arial Nova Cond" panose="020B0506020202020204" pitchFamily="34" charset="0"/>
+              </a:rPr>
+              <a:t>Based on cluster data analysis</a:t>
+            </a:r>
+          </a:p>
+        </p:txBody>
+      </p:sp>
+    </p:spTree>
+    <p:extLst>
+      <p:ext uri="{BB962C8B-B14F-4D97-AF65-F5344CB8AC3E}">
+        <p14:creationId xmlns:p14="http://schemas.microsoft.com/office/powerpoint/2010/main" val="3507025673"/>
+      </p:ext>
+    </p:extLst>
+  </p:cSld>
+  <p:clrMapOvr>
+    <a:masterClrMapping/>
+  </p:clrMapOvr>
+</p:sld>
+</file>
+
+<file path=ppt/slides/slide5.xml><?xml version="1.0" encoding="utf-8"?>
+<p:sld xmlns:a="http://schemas.openxmlformats.org/drawingml/2006/main" xmlns:r="http://schemas.openxmlformats.org/officeDocument/2006/relationships" xmlns:p="http://schemas.openxmlformats.org/presentationml/2006/main">
+  <p:cSld>
+    <p:bg>
+      <p:bgPr>
+        <a:solidFill>
+          <a:srgbClr val="E3E1E1"/>
         </a:solidFill>
         <a:effectLst/>
       </p:bgPr>
@@ -4156,18 +4344,13 @@
             <a:lstStyle/>
             <a:p>
               <a:r>
-                <a:rPr lang="en-US" dirty="0" smtClean="0">
+                <a:rPr lang="en-US" dirty="0">
                   <a:solidFill>
                     <a:schemeClr val="bg1"/>
                   </a:solidFill>
                 </a:rPr>
                 <a:t>    trending    </a:t>
               </a:r>
-              <a:endParaRPr lang="en-US" dirty="0">
-                <a:solidFill>
-                  <a:schemeClr val="bg1"/>
-                </a:solidFill>
-              </a:endParaRPr>
             </a:p>
           </p:txBody>
         </p:sp>
@@ -4243,7 +4426,7 @@
           <a:lstStyle/>
           <a:p>
             <a:r>
-              <a:rPr lang="en-US" sz="2400" dirty="0" smtClean="0">
+              <a:rPr lang="en-US" sz="2400" dirty="0">
                 <a:solidFill>
                   <a:srgbClr val="CC5833"/>
                 </a:solidFill>
@@ -4251,7 +4434,7 @@
               <a:t>finds </a:t>
             </a:r>
             <a:r>
-              <a:rPr lang="en-US" sz="2400" b="1" dirty="0" smtClean="0">
+              <a:rPr lang="en-US" sz="2400" b="1" dirty="0">
                 <a:solidFill>
                   <a:srgbClr val="CC5833"/>
                 </a:solidFill>
@@ -4259,18 +4442,13 @@
               <a:t>trending location </a:t>
             </a:r>
             <a:r>
-              <a:rPr lang="en-US" sz="2400" dirty="0" smtClean="0">
+              <a:rPr lang="en-US" sz="2400" dirty="0">
                 <a:solidFill>
                   <a:srgbClr val="CC5833"/>
                 </a:solidFill>
               </a:rPr>
               <a:t>using cluster data analysis</a:t>
             </a:r>
-            <a:endParaRPr lang="en-US" sz="2400" dirty="0">
-              <a:solidFill>
-                <a:srgbClr val="CC5833"/>
-              </a:solidFill>
-            </a:endParaRPr>
           </a:p>
         </p:txBody>
       </p:sp>
@@ -4284,17 +4462,10 @@
   <p:clrMapOvr>
     <a:masterClrMapping/>
   </p:clrMapOvr>
-  <p:timing>
-    <p:tnLst>
-      <p:par>
-        <p:cTn id="1" dur="indefinite" restart="never" nodeType="tmRoot"/>
-      </p:par>
-    </p:tnLst>
-  </p:timing>
 </p:sld>
 </file>
 
-<file path=ppt/slides/slide4.xml><?xml version="1.0" encoding="utf-8"?>
+<file path=ppt/slides/slide6.xml><?xml version="1.0" encoding="utf-8"?>
 <p:sld xmlns:a="http://schemas.openxmlformats.org/drawingml/2006/main" xmlns:r="http://schemas.openxmlformats.org/officeDocument/2006/relationships" xmlns:p="http://schemas.openxmlformats.org/presentationml/2006/main">
   <p:cSld>
     <p:bg>
@@ -4319,80 +4490,22 @@
           <a:chExt cx="0" cy="0"/>
         </a:xfrm>
       </p:grpSpPr>
-      <p:pic>
-        <p:nvPicPr>
-          <p:cNvPr id="1030" name="Picture 6" descr="Image result for pixel 2 vector"/>
-          <p:cNvPicPr>
-            <a:picLocks noChangeAspect="1" noChangeArrowheads="1"/>
-          </p:cNvPicPr>
-          <p:nvPr/>
-        </p:nvPicPr>
-        <p:blipFill>
-          <a:blip r:embed="rId2">
+      <p:sp>
+        <p:nvSpPr>
+          <p:cNvPr id="4" name="TextBox 3">
             <a:extLst>
-              <a:ext uri="{28A0092B-C50C-407E-A947-70E740481C1C}">
-                <a14:useLocalDpi xmlns:a14="http://schemas.microsoft.com/office/drawing/2010/main" val="0"/>
+              <a:ext uri="{FF2B5EF4-FFF2-40B4-BE49-F238E27FC236}">
+                <a16:creationId xmlns:a16="http://schemas.microsoft.com/office/drawing/2014/main" id="{468AEC93-9BE3-443E-A589-3F93EECF522C}"/>
               </a:ext>
             </a:extLst>
-          </a:blip>
-          <a:srcRect/>
-          <a:stretch>
-            <a:fillRect/>
-          </a:stretch>
-        </p:blipFill>
-        <p:spPr bwMode="auto">
-          <a:xfrm>
-            <a:off x="1136649" y="-54094"/>
-            <a:ext cx="9216125" cy="6912094"/>
-          </a:xfrm>
-          <a:prstGeom prst="rect">
-            <a:avLst/>
-          </a:prstGeom>
-          <a:noFill/>
-          <a:extLst>
-            <a:ext uri="{909E8E84-426E-40DD-AFC4-6F175D3DCCD1}">
-              <a14:hiddenFill xmlns:a14="http://schemas.microsoft.com/office/drawing/2010/main">
-                <a:solidFill>
-                  <a:srgbClr val="FFFFFF"/>
-                </a:solidFill>
-              </a14:hiddenFill>
-            </a:ext>
-          </a:extLst>
-        </p:spPr>
-      </p:pic>
-      <p:pic>
-        <p:nvPicPr>
-          <p:cNvPr id="2" name="Picture 1"/>
-          <p:cNvPicPr>
-            <a:picLocks noChangeAspect="1"/>
-          </p:cNvPicPr>
+          </p:cNvPr>
+          <p:cNvSpPr txBox="1"/>
           <p:nvPr/>
-        </p:nvPicPr>
-        <p:blipFill rotWithShape="1">
-          <a:blip r:embed="rId3"/>
-          <a:srcRect l="3618" t="8963" r="3989" b="32794"/>
-          <a:stretch/>
-        </p:blipFill>
+        </p:nvSpPr>
         <p:spPr>
           <a:xfrm>
-            <a:off x="4726672" y="1809750"/>
-            <a:ext cx="2036078" cy="2259806"/>
-          </a:xfrm>
-          <a:prstGeom prst="rect">
-            <a:avLst/>
-          </a:prstGeom>
-        </p:spPr>
-      </p:pic>
-      <p:sp>
-        <p:nvSpPr>
-          <p:cNvPr id="3" name="TextBox 2"/>
-          <p:cNvSpPr txBox="1"/>
-          <p:nvPr/>
-        </p:nvSpPr>
-        <p:spPr>
-          <a:xfrm>
-            <a:off x="565609" y="848413"/>
-            <a:ext cx="3409523" cy="369332"/>
+            <a:off x="954814" y="2464861"/>
+            <a:ext cx="10282367" cy="769441"/>
           </a:xfrm>
           <a:prstGeom prst="rect">
             <a:avLst/>
@@ -4406,17 +4519,69 @@
           <a:lstStyle/>
           <a:p>
             <a:r>
-              <a:rPr lang="en-US" b="1" dirty="0" smtClean="0">
+              <a:rPr lang="en-IN" sz="4400" dirty="0">
                 <a:solidFill>
-                  <a:srgbClr val="E64A19"/>
+                  <a:schemeClr val="accent2">
+                    <a:lumMod val="75000"/>
+                  </a:schemeClr>
                 </a:solidFill>
+                <a:latin typeface="Arial Nova Cond" panose="020B0506020202020204" pitchFamily="34" charset="0"/>
               </a:rPr>
-              <a:t>Optimized for Mobiles, PCs, Webs</a:t>
-            </a:r>
-            <a:endParaRPr lang="en-US" b="1" dirty="0">
+              <a:t>Intelligent System for detecting fake reviews </a:t>
+            </a:r>
+          </a:p>
+        </p:txBody>
+      </p:sp>
+      <p:sp>
+        <p:nvSpPr>
+          <p:cNvPr id="7" name="TextBox 6">
+            <a:extLst>
+              <a:ext uri="{FF2B5EF4-FFF2-40B4-BE49-F238E27FC236}">
+                <a16:creationId xmlns:a16="http://schemas.microsoft.com/office/drawing/2014/main" id="{19FEA3A0-F12C-4FFB-B37E-FB5C17ADD7E6}"/>
+              </a:ext>
+            </a:extLst>
+          </p:cNvPr>
+          <p:cNvSpPr txBox="1"/>
+          <p:nvPr/>
+        </p:nvSpPr>
+        <p:spPr>
+          <a:xfrm>
+            <a:off x="2856051" y="3699112"/>
+            <a:ext cx="6649577" cy="954107"/>
+          </a:xfrm>
+          <a:prstGeom prst="rect">
+            <a:avLst/>
+          </a:prstGeom>
+          <a:noFill/>
+        </p:spPr>
+        <p:txBody>
+          <a:bodyPr wrap="none" rtlCol="0">
+            <a:spAutoFit/>
+          </a:bodyPr>
+          <a:lstStyle/>
+          <a:p>
+            <a:r>
+              <a:rPr lang="en-IN" sz="2800" dirty="0">
+                <a:solidFill>
+                  <a:schemeClr val="tx1">
+                    <a:lumMod val="85000"/>
+                    <a:lumOff val="15000"/>
+                  </a:schemeClr>
+                </a:solidFill>
+                <a:latin typeface="Arial Nova Cond" panose="020B0506020202020204" pitchFamily="34" charset="0"/>
+              </a:rPr>
+              <a:t>Based on sentence classification and captcha</a:t>
+            </a:r>
+          </a:p>
+          <a:p>
+            <a:endParaRPr lang="en-IN" sz="2800" dirty="0">
               <a:solidFill>
-                <a:srgbClr val="E64A19"/>
+                <a:schemeClr val="tx1">
+                  <a:lumMod val="85000"/>
+                  <a:lumOff val="15000"/>
+                </a:schemeClr>
               </a:solidFill>
+              <a:latin typeface="Arial Nova Cond" panose="020B0506020202020204" pitchFamily="34" charset="0"/>
             </a:endParaRPr>
           </a:p>
         </p:txBody>
@@ -4424,7 +4589,7 @@
     </p:spTree>
     <p:extLst>
       <p:ext uri="{BB962C8B-B14F-4D97-AF65-F5344CB8AC3E}">
-        <p14:creationId xmlns:p14="http://schemas.microsoft.com/office/powerpoint/2010/main" val="3948729228"/>
+        <p14:creationId xmlns:p14="http://schemas.microsoft.com/office/powerpoint/2010/main" val="3812035906"/>
       </p:ext>
     </p:extLst>
   </p:cSld>
@@ -4434,9 +4599,778 @@
   <p:timing>
     <p:tnLst>
       <p:par>
-        <p:cTn id="1" dur="indefinite" restart="never" nodeType="tmRoot"/>
+        <p:cTn id="1" dur="indefinite" restart="never" nodeType="tmRoot">
+          <p:childTnLst>
+            <p:seq concurrent="1" nextAc="seek">
+              <p:cTn id="2" dur="indefinite" nodeType="mainSeq">
+                <p:childTnLst>
+                  <p:par>
+                    <p:cTn id="3" fill="hold">
+                      <p:stCondLst>
+                        <p:cond delay="indefinite"/>
+                        <p:cond evt="onBegin" delay="0">
+                          <p:tn val="2"/>
+                        </p:cond>
+                      </p:stCondLst>
+                      <p:childTnLst>
+                        <p:par>
+                          <p:cTn id="4" fill="hold">
+                            <p:stCondLst>
+                              <p:cond delay="0"/>
+                            </p:stCondLst>
+                            <p:childTnLst>
+                              <p:par>
+                                <p:cTn id="5" presetID="10" presetClass="entr" presetSubtype="0" fill="hold" grpId="0" nodeType="afterEffect">
+                                  <p:stCondLst>
+                                    <p:cond delay="0"/>
+                                  </p:stCondLst>
+                                  <p:childTnLst>
+                                    <p:set>
+                                      <p:cBhvr>
+                                        <p:cTn id="6" dur="1" fill="hold">
+                                          <p:stCondLst>
+                                            <p:cond delay="0"/>
+                                          </p:stCondLst>
+                                        </p:cTn>
+                                        <p:tgtEl>
+                                          <p:spTgt spid="4"/>
+                                        </p:tgtEl>
+                                        <p:attrNameLst>
+                                          <p:attrName>style.visibility</p:attrName>
+                                        </p:attrNameLst>
+                                      </p:cBhvr>
+                                      <p:to>
+                                        <p:strVal val="visible"/>
+                                      </p:to>
+                                    </p:set>
+                                    <p:animEffect transition="in" filter="fade">
+                                      <p:cBhvr>
+                                        <p:cTn id="7" dur="500"/>
+                                        <p:tgtEl>
+                                          <p:spTgt spid="4"/>
+                                        </p:tgtEl>
+                                      </p:cBhvr>
+                                    </p:animEffect>
+                                  </p:childTnLst>
+                                </p:cTn>
+                              </p:par>
+                            </p:childTnLst>
+                          </p:cTn>
+                        </p:par>
+                        <p:par>
+                          <p:cTn id="8" fill="hold">
+                            <p:stCondLst>
+                              <p:cond delay="500"/>
+                            </p:stCondLst>
+                            <p:childTnLst>
+                              <p:par>
+                                <p:cTn id="9" presetID="10" presetClass="entr" presetSubtype="0" fill="hold" grpId="0" nodeType="afterEffect">
+                                  <p:stCondLst>
+                                    <p:cond delay="0"/>
+                                  </p:stCondLst>
+                                  <p:childTnLst>
+                                    <p:set>
+                                      <p:cBhvr>
+                                        <p:cTn id="10" dur="1" fill="hold">
+                                          <p:stCondLst>
+                                            <p:cond delay="0"/>
+                                          </p:stCondLst>
+                                        </p:cTn>
+                                        <p:tgtEl>
+                                          <p:spTgt spid="7"/>
+                                        </p:tgtEl>
+                                        <p:attrNameLst>
+                                          <p:attrName>style.visibility</p:attrName>
+                                        </p:attrNameLst>
+                                      </p:cBhvr>
+                                      <p:to>
+                                        <p:strVal val="visible"/>
+                                      </p:to>
+                                    </p:set>
+                                    <p:animEffect transition="in" filter="fade">
+                                      <p:cBhvr>
+                                        <p:cTn id="11" dur="500"/>
+                                        <p:tgtEl>
+                                          <p:spTgt spid="7"/>
+                                        </p:tgtEl>
+                                      </p:cBhvr>
+                                    </p:animEffect>
+                                  </p:childTnLst>
+                                </p:cTn>
+                              </p:par>
+                            </p:childTnLst>
+                          </p:cTn>
+                        </p:par>
+                      </p:childTnLst>
+                    </p:cTn>
+                  </p:par>
+                </p:childTnLst>
+              </p:cTn>
+              <p:prevCondLst>
+                <p:cond evt="onPrev" delay="0">
+                  <p:tgtEl>
+                    <p:sldTgt/>
+                  </p:tgtEl>
+                </p:cond>
+              </p:prevCondLst>
+              <p:nextCondLst>
+                <p:cond evt="onNext" delay="0">
+                  <p:tgtEl>
+                    <p:sldTgt/>
+                  </p:tgtEl>
+                </p:cond>
+              </p:nextCondLst>
+            </p:seq>
+          </p:childTnLst>
+        </p:cTn>
       </p:par>
     </p:tnLst>
+    <p:bldLst>
+      <p:bldP spid="4" grpId="0"/>
+      <p:bldP spid="7" grpId="0"/>
+    </p:bldLst>
+  </p:timing>
+</p:sld>
+</file>
+
+<file path=ppt/slides/slide7.xml><?xml version="1.0" encoding="utf-8"?>
+<p:sld xmlns:a="http://schemas.openxmlformats.org/drawingml/2006/main" xmlns:r="http://schemas.openxmlformats.org/officeDocument/2006/relationships" xmlns:p="http://schemas.openxmlformats.org/presentationml/2006/main">
+  <p:cSld>
+    <p:bg>
+      <p:bgPr>
+        <a:solidFill>
+          <a:srgbClr val="E3E1E1"/>
+        </a:solidFill>
+        <a:effectLst/>
+      </p:bgPr>
+    </p:bg>
+    <p:spTree>
+      <p:nvGrpSpPr>
+        <p:cNvPr id="1" name=""/>
+        <p:cNvGrpSpPr/>
+        <p:nvPr/>
+      </p:nvGrpSpPr>
+      <p:grpSpPr>
+        <a:xfrm>
+          <a:off x="0" y="0"/>
+          <a:ext cx="0" cy="0"/>
+          <a:chOff x="0" y="0"/>
+          <a:chExt cx="0" cy="0"/>
+        </a:xfrm>
+      </p:grpSpPr>
+      <p:sp>
+        <p:nvSpPr>
+          <p:cNvPr id="4" name="TextBox 3">
+            <a:extLst>
+              <a:ext uri="{FF2B5EF4-FFF2-40B4-BE49-F238E27FC236}">
+                <a16:creationId xmlns:a16="http://schemas.microsoft.com/office/drawing/2014/main" id="{468AEC93-9BE3-443E-A589-3F93EECF522C}"/>
+              </a:ext>
+            </a:extLst>
+          </p:cNvPr>
+          <p:cNvSpPr txBox="1"/>
+          <p:nvPr/>
+        </p:nvSpPr>
+        <p:spPr>
+          <a:xfrm>
+            <a:off x="1978360" y="2105561"/>
+            <a:ext cx="8464881" cy="1323439"/>
+          </a:xfrm>
+          <a:prstGeom prst="rect">
+            <a:avLst/>
+          </a:prstGeom>
+          <a:noFill/>
+        </p:spPr>
+        <p:txBody>
+          <a:bodyPr wrap="none" rtlCol="0">
+            <a:spAutoFit/>
+          </a:bodyPr>
+          <a:lstStyle/>
+          <a:p>
+            <a:r>
+              <a:rPr lang="en-IN" sz="8000" dirty="0">
+                <a:solidFill>
+                  <a:schemeClr val="accent2">
+                    <a:lumMod val="75000"/>
+                  </a:schemeClr>
+                </a:solidFill>
+                <a:latin typeface="Arial Nova Cond" panose="020B0506020202020204" pitchFamily="34" charset="0"/>
+              </a:rPr>
+              <a:t>Pattern Recognition </a:t>
+            </a:r>
+          </a:p>
+        </p:txBody>
+      </p:sp>
+      <p:sp>
+        <p:nvSpPr>
+          <p:cNvPr id="3" name="TextBox 2">
+            <a:extLst>
+              <a:ext uri="{FF2B5EF4-FFF2-40B4-BE49-F238E27FC236}">
+                <a16:creationId xmlns:a16="http://schemas.microsoft.com/office/drawing/2014/main" id="{0C584026-EAE9-441F-B480-7382B12EA620}"/>
+              </a:ext>
+            </a:extLst>
+          </p:cNvPr>
+          <p:cNvSpPr txBox="1"/>
+          <p:nvPr/>
+        </p:nvSpPr>
+        <p:spPr>
+          <a:xfrm>
+            <a:off x="3580599" y="3660041"/>
+            <a:ext cx="4653582" cy="523220"/>
+          </a:xfrm>
+          <a:prstGeom prst="rect">
+            <a:avLst/>
+          </a:prstGeom>
+          <a:noFill/>
+        </p:spPr>
+        <p:txBody>
+          <a:bodyPr wrap="none" rtlCol="0">
+            <a:spAutoFit/>
+          </a:bodyPr>
+          <a:lstStyle/>
+          <a:p>
+            <a:r>
+              <a:rPr lang="en-IN" sz="2800" dirty="0">
+                <a:solidFill>
+                  <a:schemeClr val="tx1">
+                    <a:lumMod val="75000"/>
+                    <a:lumOff val="25000"/>
+                  </a:schemeClr>
+                </a:solidFill>
+                <a:latin typeface="Arial Nova Cond" panose="020B0506020202020204" pitchFamily="34" charset="0"/>
+              </a:rPr>
+              <a:t>Suggesting trips when it’s time</a:t>
+            </a:r>
+          </a:p>
+        </p:txBody>
+      </p:sp>
+    </p:spTree>
+    <p:extLst>
+      <p:ext uri="{BB962C8B-B14F-4D97-AF65-F5344CB8AC3E}">
+        <p14:creationId xmlns:p14="http://schemas.microsoft.com/office/powerpoint/2010/main" val="2481291163"/>
+      </p:ext>
+    </p:extLst>
+  </p:cSld>
+  <p:clrMapOvr>
+    <a:masterClrMapping/>
+  </p:clrMapOvr>
+  <p:timing>
+    <p:tnLst>
+      <p:par>
+        <p:cTn id="1" dur="indefinite" restart="never" nodeType="tmRoot">
+          <p:childTnLst>
+            <p:seq concurrent="1" nextAc="seek">
+              <p:cTn id="2" dur="indefinite" nodeType="mainSeq">
+                <p:childTnLst>
+                  <p:par>
+                    <p:cTn id="3" fill="hold">
+                      <p:stCondLst>
+                        <p:cond delay="indefinite"/>
+                        <p:cond evt="onBegin" delay="0">
+                          <p:tn val="2"/>
+                        </p:cond>
+                      </p:stCondLst>
+                      <p:childTnLst>
+                        <p:par>
+                          <p:cTn id="4" fill="hold">
+                            <p:stCondLst>
+                              <p:cond delay="0"/>
+                            </p:stCondLst>
+                            <p:childTnLst>
+                              <p:par>
+                                <p:cTn id="5" presetID="10" presetClass="entr" presetSubtype="0" fill="hold" grpId="0" nodeType="afterEffect">
+                                  <p:stCondLst>
+                                    <p:cond delay="0"/>
+                                  </p:stCondLst>
+                                  <p:childTnLst>
+                                    <p:set>
+                                      <p:cBhvr>
+                                        <p:cTn id="6" dur="1" fill="hold">
+                                          <p:stCondLst>
+                                            <p:cond delay="0"/>
+                                          </p:stCondLst>
+                                        </p:cTn>
+                                        <p:tgtEl>
+                                          <p:spTgt spid="4"/>
+                                        </p:tgtEl>
+                                        <p:attrNameLst>
+                                          <p:attrName>style.visibility</p:attrName>
+                                        </p:attrNameLst>
+                                      </p:cBhvr>
+                                      <p:to>
+                                        <p:strVal val="visible"/>
+                                      </p:to>
+                                    </p:set>
+                                    <p:animEffect transition="in" filter="fade">
+                                      <p:cBhvr>
+                                        <p:cTn id="7" dur="500"/>
+                                        <p:tgtEl>
+                                          <p:spTgt spid="4"/>
+                                        </p:tgtEl>
+                                      </p:cBhvr>
+                                    </p:animEffect>
+                                  </p:childTnLst>
+                                </p:cTn>
+                              </p:par>
+                            </p:childTnLst>
+                          </p:cTn>
+                        </p:par>
+                        <p:par>
+                          <p:cTn id="8" fill="hold">
+                            <p:stCondLst>
+                              <p:cond delay="500"/>
+                            </p:stCondLst>
+                            <p:childTnLst>
+                              <p:par>
+                                <p:cTn id="9" presetID="10" presetClass="entr" presetSubtype="0" fill="hold" grpId="0" nodeType="afterEffect">
+                                  <p:stCondLst>
+                                    <p:cond delay="0"/>
+                                  </p:stCondLst>
+                                  <p:childTnLst>
+                                    <p:set>
+                                      <p:cBhvr>
+                                        <p:cTn id="10" dur="1" fill="hold">
+                                          <p:stCondLst>
+                                            <p:cond delay="0"/>
+                                          </p:stCondLst>
+                                        </p:cTn>
+                                        <p:tgtEl>
+                                          <p:spTgt spid="3"/>
+                                        </p:tgtEl>
+                                        <p:attrNameLst>
+                                          <p:attrName>style.visibility</p:attrName>
+                                        </p:attrNameLst>
+                                      </p:cBhvr>
+                                      <p:to>
+                                        <p:strVal val="visible"/>
+                                      </p:to>
+                                    </p:set>
+                                    <p:animEffect transition="in" filter="fade">
+                                      <p:cBhvr>
+                                        <p:cTn id="11" dur="500"/>
+                                        <p:tgtEl>
+                                          <p:spTgt spid="3"/>
+                                        </p:tgtEl>
+                                      </p:cBhvr>
+                                    </p:animEffect>
+                                  </p:childTnLst>
+                                </p:cTn>
+                              </p:par>
+                            </p:childTnLst>
+                          </p:cTn>
+                        </p:par>
+                      </p:childTnLst>
+                    </p:cTn>
+                  </p:par>
+                </p:childTnLst>
+              </p:cTn>
+              <p:prevCondLst>
+                <p:cond evt="onPrev" delay="0">
+                  <p:tgtEl>
+                    <p:sldTgt/>
+                  </p:tgtEl>
+                </p:cond>
+              </p:prevCondLst>
+              <p:nextCondLst>
+                <p:cond evt="onNext" delay="0">
+                  <p:tgtEl>
+                    <p:sldTgt/>
+                  </p:tgtEl>
+                </p:cond>
+              </p:nextCondLst>
+            </p:seq>
+          </p:childTnLst>
+        </p:cTn>
+      </p:par>
+    </p:tnLst>
+    <p:bldLst>
+      <p:bldP spid="4" grpId="0"/>
+      <p:bldP spid="3" grpId="0"/>
+    </p:bldLst>
+  </p:timing>
+</p:sld>
+</file>
+
+<file path=ppt/slides/slide8.xml><?xml version="1.0" encoding="utf-8"?>
+<p:sld xmlns:a="http://schemas.openxmlformats.org/drawingml/2006/main" xmlns:r="http://schemas.openxmlformats.org/officeDocument/2006/relationships" xmlns:p="http://schemas.openxmlformats.org/presentationml/2006/main">
+  <p:cSld>
+    <p:bg>
+      <p:bgPr>
+        <a:solidFill>
+          <a:srgbClr val="E3E1E1"/>
+        </a:solidFill>
+        <a:effectLst/>
+      </p:bgPr>
+    </p:bg>
+    <p:spTree>
+      <p:nvGrpSpPr>
+        <p:cNvPr id="1" name=""/>
+        <p:cNvGrpSpPr/>
+        <p:nvPr/>
+      </p:nvGrpSpPr>
+      <p:grpSpPr>
+        <a:xfrm>
+          <a:off x="0" y="0"/>
+          <a:ext cx="0" cy="0"/>
+          <a:chOff x="0" y="0"/>
+          <a:chExt cx="0" cy="0"/>
+        </a:xfrm>
+      </p:grpSpPr>
+      <p:sp>
+        <p:nvSpPr>
+          <p:cNvPr id="5" name="Rectangle 4">
+            <a:extLst>
+              <a:ext uri="{FF2B5EF4-FFF2-40B4-BE49-F238E27FC236}">
+                <a16:creationId xmlns:a16="http://schemas.microsoft.com/office/drawing/2014/main" id="{5D555F49-9D3E-48A4-9FBD-C09B0283ADC7}"/>
+              </a:ext>
+            </a:extLst>
+          </p:cNvPr>
+          <p:cNvSpPr/>
+          <p:nvPr/>
+        </p:nvSpPr>
+        <p:spPr>
+          <a:xfrm>
+            <a:off x="1231390" y="1153414"/>
+            <a:ext cx="9729216" cy="646331"/>
+          </a:xfrm>
+          <a:prstGeom prst="rect">
+            <a:avLst/>
+          </a:prstGeom>
+        </p:spPr>
+        <p:txBody>
+          <a:bodyPr wrap="square">
+            <a:spAutoFit/>
+          </a:bodyPr>
+          <a:lstStyle/>
+          <a:p>
+            <a:pPr algn="ctr"/>
+            <a:r>
+              <a:rPr lang="en-US" sz="3600" dirty="0">
+                <a:solidFill>
+                  <a:schemeClr val="accent2">
+                    <a:lumMod val="75000"/>
+                  </a:schemeClr>
+                </a:solidFill>
+                <a:latin typeface="Arial Nova Cond" panose="020B0506020202020204" pitchFamily="34" charset="0"/>
+                <a:ea typeface="MS Gothic" panose="020B0609070205080204" pitchFamily="49" charset="-128"/>
+                <a:cs typeface="Segoe UI" panose="020B0502040204020203" pitchFamily="34" charset="0"/>
+              </a:rPr>
+              <a:t>Based on</a:t>
+            </a:r>
+          </a:p>
+        </p:txBody>
+      </p:sp>
+      <p:pic>
+        <p:nvPicPr>
+          <p:cNvPr id="15" name="Picture 14">
+            <a:extLst>
+              <a:ext uri="{FF2B5EF4-FFF2-40B4-BE49-F238E27FC236}">
+                <a16:creationId xmlns:a16="http://schemas.microsoft.com/office/drawing/2014/main" id="{C17C56F9-8E82-4BDE-9258-C1FB58B54752}"/>
+              </a:ext>
+            </a:extLst>
+          </p:cNvPr>
+          <p:cNvPicPr>
+            <a:picLocks noChangeAspect="1"/>
+          </p:cNvPicPr>
+          <p:nvPr/>
+        </p:nvPicPr>
+        <p:blipFill>
+          <a:blip r:embed="rId2">
+            <a:clrChange>
+              <a:clrFrom>
+                <a:srgbClr val="FFFFFF"/>
+              </a:clrFrom>
+              <a:clrTo>
+                <a:srgbClr val="FFFFFF">
+                  <a:alpha val="0"/>
+                </a:srgbClr>
+              </a:clrTo>
+            </a:clrChange>
+            <a:extLst>
+              <a:ext uri="{28A0092B-C50C-407E-A947-70E740481C1C}">
+                <a14:useLocalDpi xmlns:a14="http://schemas.microsoft.com/office/drawing/2010/main" val="0"/>
+              </a:ext>
+            </a:extLst>
+          </a:blip>
+          <a:stretch>
+            <a:fillRect/>
+          </a:stretch>
+        </p:blipFill>
+        <p:spPr>
+          <a:xfrm>
+            <a:off x="2866929" y="1476580"/>
+            <a:ext cx="6458139" cy="3632703"/>
+          </a:xfrm>
+          <a:prstGeom prst="rect">
+            <a:avLst/>
+          </a:prstGeom>
+        </p:spPr>
+      </p:pic>
+    </p:spTree>
+    <p:extLst>
+      <p:ext uri="{BB962C8B-B14F-4D97-AF65-F5344CB8AC3E}">
+        <p14:creationId xmlns:p14="http://schemas.microsoft.com/office/powerpoint/2010/main" val="846061127"/>
+      </p:ext>
+    </p:extLst>
+  </p:cSld>
+  <p:clrMapOvr>
+    <a:masterClrMapping/>
+  </p:clrMapOvr>
+</p:sld>
+</file>
+
+<file path=ppt/slides/slide9.xml><?xml version="1.0" encoding="utf-8"?>
+<p:sld xmlns:a="http://schemas.openxmlformats.org/drawingml/2006/main" xmlns:r="http://schemas.openxmlformats.org/officeDocument/2006/relationships" xmlns:p="http://schemas.openxmlformats.org/presentationml/2006/main">
+  <p:cSld>
+    <p:bg>
+      <p:bgPr>
+        <a:solidFill>
+          <a:srgbClr val="E3E1E1"/>
+        </a:solidFill>
+        <a:effectLst/>
+      </p:bgPr>
+    </p:bg>
+    <p:spTree>
+      <p:nvGrpSpPr>
+        <p:cNvPr id="1" name=""/>
+        <p:cNvGrpSpPr/>
+        <p:nvPr/>
+      </p:nvGrpSpPr>
+      <p:grpSpPr>
+        <a:xfrm>
+          <a:off x="0" y="0"/>
+          <a:ext cx="0" cy="0"/>
+          <a:chOff x="0" y="0"/>
+          <a:chExt cx="0" cy="0"/>
+        </a:xfrm>
+      </p:grpSpPr>
+      <p:sp>
+        <p:nvSpPr>
+          <p:cNvPr id="4" name="TextBox 3">
+            <a:extLst>
+              <a:ext uri="{FF2B5EF4-FFF2-40B4-BE49-F238E27FC236}">
+                <a16:creationId xmlns:a16="http://schemas.microsoft.com/office/drawing/2014/main" id="{468AEC93-9BE3-443E-A589-3F93EECF522C}"/>
+              </a:ext>
+            </a:extLst>
+          </p:cNvPr>
+          <p:cNvSpPr txBox="1"/>
+          <p:nvPr/>
+        </p:nvSpPr>
+        <p:spPr>
+          <a:xfrm>
+            <a:off x="2265464" y="2105561"/>
+            <a:ext cx="8085996" cy="1323439"/>
+          </a:xfrm>
+          <a:prstGeom prst="rect">
+            <a:avLst/>
+          </a:prstGeom>
+          <a:noFill/>
+        </p:spPr>
+        <p:txBody>
+          <a:bodyPr wrap="none" rtlCol="0">
+            <a:spAutoFit/>
+          </a:bodyPr>
+          <a:lstStyle/>
+          <a:p>
+            <a:r>
+              <a:rPr lang="en-IN" sz="8000" dirty="0">
+                <a:solidFill>
+                  <a:schemeClr val="accent2">
+                    <a:lumMod val="75000"/>
+                  </a:schemeClr>
+                </a:solidFill>
+                <a:latin typeface="Arial Nova Cond" panose="020B0506020202020204" pitchFamily="34" charset="0"/>
+              </a:rPr>
+              <a:t>Carrier Availability </a:t>
+            </a:r>
+          </a:p>
+        </p:txBody>
+      </p:sp>
+      <p:sp>
+        <p:nvSpPr>
+          <p:cNvPr id="3" name="TextBox 2">
+            <a:extLst>
+              <a:ext uri="{FF2B5EF4-FFF2-40B4-BE49-F238E27FC236}">
+                <a16:creationId xmlns:a16="http://schemas.microsoft.com/office/drawing/2014/main" id="{0C584026-EAE9-441F-B480-7382B12EA620}"/>
+              </a:ext>
+            </a:extLst>
+          </p:cNvPr>
+          <p:cNvSpPr txBox="1"/>
+          <p:nvPr/>
+        </p:nvSpPr>
+        <p:spPr>
+          <a:xfrm>
+            <a:off x="1492945" y="3669467"/>
+            <a:ext cx="8858515" cy="461665"/>
+          </a:xfrm>
+          <a:prstGeom prst="rect">
+            <a:avLst/>
+          </a:prstGeom>
+          <a:noFill/>
+        </p:spPr>
+        <p:txBody>
+          <a:bodyPr wrap="none" rtlCol="0">
+            <a:spAutoFit/>
+          </a:bodyPr>
+          <a:lstStyle/>
+          <a:p>
+            <a:r>
+              <a:rPr lang="en-IN" sz="2400" dirty="0">
+                <a:solidFill>
+                  <a:schemeClr val="tx1">
+                    <a:lumMod val="75000"/>
+                    <a:lumOff val="25000"/>
+                  </a:schemeClr>
+                </a:solidFill>
+                <a:latin typeface="Arial Nova Cond" panose="020B0506020202020204" pitchFamily="34" charset="0"/>
+              </a:rPr>
+              <a:t>Telling about the carrier strength of the user at destination before hand</a:t>
+            </a:r>
+          </a:p>
+        </p:txBody>
+      </p:sp>
+    </p:spTree>
+    <p:extLst>
+      <p:ext uri="{BB962C8B-B14F-4D97-AF65-F5344CB8AC3E}">
+        <p14:creationId xmlns:p14="http://schemas.microsoft.com/office/powerpoint/2010/main" val="1204939161"/>
+      </p:ext>
+    </p:extLst>
+  </p:cSld>
+  <p:clrMapOvr>
+    <a:masterClrMapping/>
+  </p:clrMapOvr>
+  <p:timing>
+    <p:tnLst>
+      <p:par>
+        <p:cTn id="1" dur="indefinite" restart="never" nodeType="tmRoot">
+          <p:childTnLst>
+            <p:seq concurrent="1" nextAc="seek">
+              <p:cTn id="2" dur="indefinite" nodeType="mainSeq">
+                <p:childTnLst>
+                  <p:par>
+                    <p:cTn id="3" fill="hold">
+                      <p:stCondLst>
+                        <p:cond delay="indefinite"/>
+                        <p:cond evt="onBegin" delay="0">
+                          <p:tn val="2"/>
+                        </p:cond>
+                      </p:stCondLst>
+                      <p:childTnLst>
+                        <p:par>
+                          <p:cTn id="4" fill="hold">
+                            <p:stCondLst>
+                              <p:cond delay="0"/>
+                            </p:stCondLst>
+                            <p:childTnLst>
+                              <p:par>
+                                <p:cTn id="5" presetID="10" presetClass="entr" presetSubtype="0" fill="hold" grpId="0" nodeType="afterEffect">
+                                  <p:stCondLst>
+                                    <p:cond delay="0"/>
+                                  </p:stCondLst>
+                                  <p:childTnLst>
+                                    <p:set>
+                                      <p:cBhvr>
+                                        <p:cTn id="6" dur="1" fill="hold">
+                                          <p:stCondLst>
+                                            <p:cond delay="0"/>
+                                          </p:stCondLst>
+                                        </p:cTn>
+                                        <p:tgtEl>
+                                          <p:spTgt spid="4"/>
+                                        </p:tgtEl>
+                                        <p:attrNameLst>
+                                          <p:attrName>style.visibility</p:attrName>
+                                        </p:attrNameLst>
+                                      </p:cBhvr>
+                                      <p:to>
+                                        <p:strVal val="visible"/>
+                                      </p:to>
+                                    </p:set>
+                                    <p:animEffect transition="in" filter="fade">
+                                      <p:cBhvr>
+                                        <p:cTn id="7" dur="500"/>
+                                        <p:tgtEl>
+                                          <p:spTgt spid="4"/>
+                                        </p:tgtEl>
+                                      </p:cBhvr>
+                                    </p:animEffect>
+                                  </p:childTnLst>
+                                </p:cTn>
+                              </p:par>
+                            </p:childTnLst>
+                          </p:cTn>
+                        </p:par>
+                        <p:par>
+                          <p:cTn id="8" fill="hold">
+                            <p:stCondLst>
+                              <p:cond delay="500"/>
+                            </p:stCondLst>
+                            <p:childTnLst>
+                              <p:par>
+                                <p:cTn id="9" presetID="10" presetClass="entr" presetSubtype="0" fill="hold" grpId="0" nodeType="afterEffect">
+                                  <p:stCondLst>
+                                    <p:cond delay="0"/>
+                                  </p:stCondLst>
+                                  <p:childTnLst>
+                                    <p:set>
+                                      <p:cBhvr>
+                                        <p:cTn id="10" dur="1" fill="hold">
+                                          <p:stCondLst>
+                                            <p:cond delay="0"/>
+                                          </p:stCondLst>
+                                        </p:cTn>
+                                        <p:tgtEl>
+                                          <p:spTgt spid="3"/>
+                                        </p:tgtEl>
+                                        <p:attrNameLst>
+                                          <p:attrName>style.visibility</p:attrName>
+                                        </p:attrNameLst>
+                                      </p:cBhvr>
+                                      <p:to>
+                                        <p:strVal val="visible"/>
+                                      </p:to>
+                                    </p:set>
+                                    <p:animEffect transition="in" filter="fade">
+                                      <p:cBhvr>
+                                        <p:cTn id="11" dur="500"/>
+                                        <p:tgtEl>
+                                          <p:spTgt spid="3"/>
+                                        </p:tgtEl>
+                                      </p:cBhvr>
+                                    </p:animEffect>
+                                  </p:childTnLst>
+                                </p:cTn>
+                              </p:par>
+                            </p:childTnLst>
+                          </p:cTn>
+                        </p:par>
+                      </p:childTnLst>
+                    </p:cTn>
+                  </p:par>
+                </p:childTnLst>
+              </p:cTn>
+              <p:prevCondLst>
+                <p:cond evt="onPrev" delay="0">
+                  <p:tgtEl>
+                    <p:sldTgt/>
+                  </p:tgtEl>
+                </p:cond>
+              </p:prevCondLst>
+              <p:nextCondLst>
+                <p:cond evt="onNext" delay="0">
+                  <p:tgtEl>
+                    <p:sldTgt/>
+                  </p:tgtEl>
+                </p:cond>
+              </p:nextCondLst>
+            </p:seq>
+          </p:childTnLst>
+        </p:cTn>
+      </p:par>
+    </p:tnLst>
+    <p:bldLst>
+      <p:bldP spid="4" grpId="0"/>
+      <p:bldP spid="3" grpId="0"/>
+    </p:bldLst>
   </p:timing>
 </p:sld>
 </file>
